--- a/dct_prj/110061519_labA_report.pptx
+++ b/dct_prj/110061519_labA_report.pptx
@@ -34,20 +34,26 @@
     <p:sldId id="284" r:id="rId28"/>
     <p:sldId id="285" r:id="rId29"/>
     <p:sldId id="286" r:id="rId30"/>
-    <p:sldId id="287" r:id="rId31"/>
-    <p:sldId id="288" r:id="rId32"/>
-    <p:sldId id="289" r:id="rId33"/>
-    <p:sldId id="290" r:id="rId34"/>
-    <p:sldId id="291" r:id="rId35"/>
-    <p:sldId id="292" r:id="rId36"/>
-    <p:sldId id="293" r:id="rId37"/>
-    <p:sldId id="294" r:id="rId38"/>
-    <p:sldId id="295" r:id="rId39"/>
-    <p:sldId id="296" r:id="rId40"/>
-    <p:sldId id="297" r:id="rId41"/>
-    <p:sldId id="265" r:id="rId42"/>
-    <p:sldId id="298" r:id="rId43"/>
-    <p:sldId id="299" r:id="rId44"/>
+    <p:sldId id="300" r:id="rId31"/>
+    <p:sldId id="287" r:id="rId32"/>
+    <p:sldId id="288" r:id="rId33"/>
+    <p:sldId id="289" r:id="rId34"/>
+    <p:sldId id="290" r:id="rId35"/>
+    <p:sldId id="291" r:id="rId36"/>
+    <p:sldId id="292" r:id="rId37"/>
+    <p:sldId id="303" r:id="rId38"/>
+    <p:sldId id="293" r:id="rId39"/>
+    <p:sldId id="294" r:id="rId40"/>
+    <p:sldId id="295" r:id="rId41"/>
+    <p:sldId id="296" r:id="rId42"/>
+    <p:sldId id="301" r:id="rId43"/>
+    <p:sldId id="297" r:id="rId44"/>
+    <p:sldId id="302" r:id="rId45"/>
+    <p:sldId id="265" r:id="rId46"/>
+    <p:sldId id="298" r:id="rId47"/>
+    <p:sldId id="304" r:id="rId48"/>
+    <p:sldId id="305" r:id="rId49"/>
+    <p:sldId id="299" r:id="rId50"/>
   </p:sldIdLst>
   <p:sldSz cx="12192000" cy="6858000"/>
   <p:notesSz cx="6858000" cy="9144000"/>
@@ -316,7 +322,7 @@
             <a:fld id="{87DE6118-2437-4B30-8E3C-4D2BE6020583}" type="datetimeFigureOut">
               <a:rPr lang="en-US" dirty="0"/>
               <a:pPr/>
-              <a:t>3/12/2023</a:t>
+              <a:t>3/15/2023</a:t>
             </a:fld>
             <a:endParaRPr lang="en-US" dirty="0"/>
           </a:p>
@@ -642,7 +648,7 @@
           <a:p>
             <a:fld id="{87DE6118-2437-4B30-8E3C-4D2BE6020583}" type="datetimeFigureOut">
               <a:rPr lang="en-US" dirty="0"/>
-              <a:t>3/12/2023</a:t>
+              <a:t>3/15/2023</a:t>
             </a:fld>
             <a:endParaRPr lang="en-US" dirty="0"/>
           </a:p>
@@ -817,7 +823,7 @@
           <a:p>
             <a:fld id="{87DE6118-2437-4B30-8E3C-4D2BE6020583}" type="datetimeFigureOut">
               <a:rPr lang="en-US" dirty="0"/>
-              <a:t>3/12/2023</a:t>
+              <a:t>3/15/2023</a:t>
             </a:fld>
             <a:endParaRPr lang="en-US" dirty="0"/>
           </a:p>
@@ -982,7 +988,7 @@
           <a:p>
             <a:fld id="{87DE6118-2437-4B30-8E3C-4D2BE6020583}" type="datetimeFigureOut">
               <a:rPr lang="en-US" dirty="0"/>
-              <a:t>3/12/2023</a:t>
+              <a:t>3/15/2023</a:t>
             </a:fld>
             <a:endParaRPr lang="en-US" dirty="0"/>
           </a:p>
@@ -1250,7 +1256,7 @@
             <a:fld id="{87DE6118-2437-4B30-8E3C-4D2BE6020583}" type="datetimeFigureOut">
               <a:rPr lang="en-US" dirty="0"/>
               <a:pPr/>
-              <a:t>3/12/2023</a:t>
+              <a:t>3/15/2023</a:t>
             </a:fld>
             <a:endParaRPr lang="en-US" dirty="0"/>
           </a:p>
@@ -1640,7 +1646,7 @@
           <a:p>
             <a:fld id="{87DE6118-2437-4B30-8E3C-4D2BE6020583}" type="datetimeFigureOut">
               <a:rPr lang="en-US" dirty="0"/>
-              <a:t>3/12/2023</a:t>
+              <a:t>3/15/2023</a:t>
             </a:fld>
             <a:endParaRPr lang="en-US" dirty="0"/>
           </a:p>
@@ -2112,7 +2118,7 @@
           <a:p>
             <a:fld id="{87DE6118-2437-4B30-8E3C-4D2BE6020583}" type="datetimeFigureOut">
               <a:rPr lang="en-US" dirty="0"/>
-              <a:t>3/12/2023</a:t>
+              <a:t>3/15/2023</a:t>
             </a:fld>
             <a:endParaRPr lang="en-US" dirty="0"/>
           </a:p>
@@ -2225,7 +2231,7 @@
           <a:p>
             <a:fld id="{87DE6118-2437-4B30-8E3C-4D2BE6020583}" type="datetimeFigureOut">
               <a:rPr lang="en-US" dirty="0"/>
-              <a:t>3/12/2023</a:t>
+              <a:t>3/15/2023</a:t>
             </a:fld>
             <a:endParaRPr lang="en-US" dirty="0"/>
           </a:p>
@@ -2315,7 +2321,7 @@
           <a:p>
             <a:fld id="{87DE6118-2437-4B30-8E3C-4D2BE6020583}" type="datetimeFigureOut">
               <a:rPr lang="en-US" dirty="0"/>
-              <a:t>3/12/2023</a:t>
+              <a:t>3/15/2023</a:t>
             </a:fld>
             <a:endParaRPr lang="en-US" dirty="0"/>
           </a:p>
@@ -2657,7 +2663,7 @@
             <a:fld id="{87DE6118-2437-4B30-8E3C-4D2BE6020583}" type="datetimeFigureOut">
               <a:rPr lang="en-US" dirty="0"/>
               <a:pPr/>
-              <a:t>3/12/2023</a:t>
+              <a:t>3/15/2023</a:t>
             </a:fld>
             <a:endParaRPr lang="en-US" dirty="0"/>
           </a:p>
@@ -3042,7 +3048,7 @@
             <a:fld id="{87DE6118-2437-4B30-8E3C-4D2BE6020583}" type="datetimeFigureOut">
               <a:rPr lang="en-US" dirty="0"/>
               <a:pPr/>
-              <a:t>3/12/2023</a:t>
+              <a:t>3/15/2023</a:t>
             </a:fld>
             <a:endParaRPr lang="en-US" dirty="0"/>
           </a:p>
@@ -3314,7 +3320,7 @@
             <a:fld id="{87DE6118-2437-4B30-8E3C-4D2BE6020583}" type="datetimeFigureOut">
               <a:rPr lang="en-US" dirty="0"/>
               <a:pPr/>
-              <a:t>3/12/2023</a:t>
+              <a:t>3/15/2023</a:t>
             </a:fld>
             <a:endParaRPr lang="en-US" dirty="0"/>
           </a:p>
@@ -8934,6 +8940,12 @@
             </a:r>
           </a:p>
           <a:p>
+            <a:r>
+              <a:rPr lang="en-US" altLang="zh-TW" dirty="0"/>
+              <a:t>Two questions to test the key learning</a:t>
+            </a:r>
+          </a:p>
+          <a:p>
             <a:endParaRPr lang="en-US" altLang="zh-TW" dirty="0"/>
           </a:p>
         </p:txBody>
@@ -10372,7 +10384,7 @@
           <a:p>
             <a:r>
               <a:rPr lang="en-US" altLang="zh-TW" dirty="0"/>
-              <a:t>Assign Dual-port RAMs with BIND_STORAGE</a:t>
+              <a:t>Configure the Pipeline Initiation Interval</a:t>
             </a:r>
             <a:endParaRPr lang="zh-TW" altLang="en-US" dirty="0"/>
           </a:p>
@@ -10396,146 +10408,7 @@
         </p:nvSpPr>
         <p:spPr>
           <a:xfrm>
-            <a:off x="1438712" y="2285999"/>
-            <a:ext cx="9534477" cy="1866551"/>
-          </a:xfrm>
-        </p:spPr>
-        <p:txBody>
-          <a:bodyPr/>
-          <a:lstStyle/>
-          <a:p>
-            <a:r>
-              <a:rPr lang="en-US" altLang="zh-TW" dirty="0"/>
-              <a:t>In the tutorial, we are asked to use BRAMs to store </a:t>
-            </a:r>
-            <a:r>
-              <a:rPr lang="en-US" altLang="zh-TW" dirty="0" err="1"/>
-              <a:t>col_inbuf</a:t>
-            </a:r>
-            <a:r>
-              <a:rPr lang="en-US" altLang="zh-TW" dirty="0"/>
-              <a:t> and buf_2d_out. After synthesis, the result is shown in the figure below.</a:t>
-            </a:r>
-          </a:p>
-          <a:p>
-            <a:r>
-              <a:rPr lang="en-US" altLang="zh-TW" dirty="0"/>
-              <a:t>We can see that the total latency increases a lot. Besides, II violation is issued (II violation does not influence the co-simulation result. In HLS, II violation will be issued if II is not 1.)</a:t>
-            </a:r>
-            <a:endParaRPr lang="zh-TW" altLang="en-US" dirty="0"/>
-          </a:p>
-        </p:txBody>
-      </p:sp>
-      <p:pic>
-        <p:nvPicPr>
-          <p:cNvPr id="7" name="內容版面配置區 6">
-            <a:extLst>
-              <a:ext uri="{FF2B5EF4-FFF2-40B4-BE49-F238E27FC236}">
-                <a16:creationId xmlns:a16="http://schemas.microsoft.com/office/drawing/2014/main" id="{18E42F90-485A-CFC0-1F5B-9C9A16045D09}"/>
-              </a:ext>
-            </a:extLst>
-          </p:cNvPr>
-          <p:cNvPicPr>
-            <a:picLocks noGrp="1" noChangeAspect="1"/>
-          </p:cNvPicPr>
-          <p:nvPr>
-            <p:ph sz="half" idx="1"/>
-          </p:nvPr>
-        </p:nvPicPr>
-        <p:blipFill>
-          <a:blip r:embed="rId2"/>
-          <a:stretch>
-            <a:fillRect/>
-          </a:stretch>
-        </p:blipFill>
-        <p:spPr>
-          <a:xfrm>
-            <a:off x="1941352" y="4152550"/>
-            <a:ext cx="8309295" cy="2219100"/>
-          </a:xfrm>
-          <a:prstGeom prst="rect">
-            <a:avLst/>
-          </a:prstGeom>
-        </p:spPr>
-      </p:pic>
-    </p:spTree>
-    <p:extLst>
-      <p:ext uri="{BB962C8B-B14F-4D97-AF65-F5344CB8AC3E}">
-        <p14:creationId xmlns:p14="http://schemas.microsoft.com/office/powerpoint/2010/main" val="760153004"/>
-      </p:ext>
-    </p:extLst>
-  </p:cSld>
-  <p:clrMapOvr>
-    <a:masterClrMapping/>
-  </p:clrMapOvr>
-</p:sld>
-</file>
-
-<file path=ppt/slides/slide31.xml><?xml version="1.0" encoding="utf-8"?>
-<p:sld xmlns:a="http://schemas.openxmlformats.org/drawingml/2006/main" xmlns:r="http://schemas.openxmlformats.org/officeDocument/2006/relationships" xmlns:p="http://schemas.openxmlformats.org/presentationml/2006/main">
-  <p:cSld>
-    <p:spTree>
-      <p:nvGrpSpPr>
-        <p:cNvPr id="1" name=""/>
-        <p:cNvGrpSpPr/>
-        <p:nvPr/>
-      </p:nvGrpSpPr>
-      <p:grpSpPr>
-        <a:xfrm>
-          <a:off x="0" y="0"/>
-          <a:ext cx="0" cy="0"/>
-          <a:chOff x="0" y="0"/>
-          <a:chExt cx="0" cy="0"/>
-        </a:xfrm>
-      </p:grpSpPr>
-      <p:sp>
-        <p:nvSpPr>
-          <p:cNvPr id="4" name="標題 3">
-            <a:extLst>
-              <a:ext uri="{FF2B5EF4-FFF2-40B4-BE49-F238E27FC236}">
-                <a16:creationId xmlns:a16="http://schemas.microsoft.com/office/drawing/2014/main" id="{983307EE-69ED-B464-9C8F-AE435B805D42}"/>
-              </a:ext>
-            </a:extLst>
-          </p:cNvPr>
-          <p:cNvSpPr>
-            <a:spLocks noGrp="1"/>
-          </p:cNvSpPr>
-          <p:nvPr>
-            <p:ph type="title"/>
-          </p:nvPr>
-        </p:nvSpPr>
-        <p:spPr/>
-        <p:txBody>
-          <a:bodyPr/>
-          <a:lstStyle/>
-          <a:p>
-            <a:r>
-              <a:rPr lang="en-US" altLang="zh-TW" dirty="0"/>
-              <a:t>Assign Dual-port RAMs with BIND_STORAGE</a:t>
-            </a:r>
-            <a:endParaRPr lang="zh-TW" altLang="en-US" dirty="0"/>
-          </a:p>
-        </p:txBody>
-      </p:sp>
-      <p:sp>
-        <p:nvSpPr>
-          <p:cNvPr id="6" name="內容版面配置區 5">
-            <a:extLst>
-              <a:ext uri="{FF2B5EF4-FFF2-40B4-BE49-F238E27FC236}">
-                <a16:creationId xmlns:a16="http://schemas.microsoft.com/office/drawing/2014/main" id="{1F2F90CC-4669-D25B-9138-6284190EB2F8}"/>
-              </a:ext>
-            </a:extLst>
-          </p:cNvPr>
-          <p:cNvSpPr>
-            <a:spLocks noGrp="1"/>
-          </p:cNvSpPr>
-          <p:nvPr>
-            <p:ph sz="half" idx="2"/>
-          </p:nvPr>
-        </p:nvSpPr>
-        <p:spPr>
-          <a:xfrm>
-            <a:off x="1404961" y="2171700"/>
+            <a:off x="1371600" y="1996579"/>
             <a:ext cx="9534477" cy="952151"/>
           </a:xfrm>
         </p:spPr>
@@ -10545,7 +10418,13 @@
           <a:p>
             <a:r>
               <a:rPr lang="en-US" altLang="zh-TW" dirty="0"/>
-              <a:t> Take a look at the report, and we can see that it uses more resource as well. Therefore, I think that this method is not for this application.</a:t>
+              <a:t>Take a look at the memory utilization, and we can see the tradeoff.</a:t>
+            </a:r>
+          </a:p>
+          <a:p>
+            <a:r>
+              <a:rPr lang="en-US" altLang="zh-TW" dirty="0"/>
+              <a:t>It consumes much more memory compared to the original method.</a:t>
             </a:r>
             <a:endParaRPr lang="zh-TW" altLang="en-US" dirty="0"/>
           </a:p>
@@ -10565,11 +10444,6 @@
           </p:cNvGraphicFramePr>
           <p:nvPr>
             <p:ph sz="half" idx="1"/>
-            <p:extLst>
-              <p:ext uri="{D42A27DB-BD31-4B8C-83A1-F6EECF244321}">
-                <p14:modId xmlns:p14="http://schemas.microsoft.com/office/powerpoint/2010/main" val="2541454664"/>
-              </p:ext>
-            </p:extLst>
           </p:nvPr>
         </p:nvGraphicFramePr>
         <p:xfrm>
@@ -10712,10 +10586,10 @@
       </p:pic>
       <p:pic>
         <p:nvPicPr>
-          <p:cNvPr id="11" name="圖片 10">
-            <a:extLst>
-              <a:ext uri="{FF2B5EF4-FFF2-40B4-BE49-F238E27FC236}">
-                <a16:creationId xmlns:a16="http://schemas.microsoft.com/office/drawing/2014/main" id="{28CAD592-6AD4-FACA-D87B-298A1A4F89E5}"/>
+          <p:cNvPr id="2" name="圖片 1">
+            <a:extLst>
+              <a:ext uri="{FF2B5EF4-FFF2-40B4-BE49-F238E27FC236}">
+                <a16:creationId xmlns:a16="http://schemas.microsoft.com/office/drawing/2014/main" id="{D26D533E-ECB1-160B-2A60-B7F596E01C38}"/>
               </a:ext>
             </a:extLst>
           </p:cNvPr>
@@ -10732,8 +10606,8 @@
         </p:blipFill>
         <p:spPr>
           <a:xfrm>
-            <a:off x="6293144" y="3553697"/>
-            <a:ext cx="4105171" cy="3103665"/>
+            <a:off x="6355317" y="3553697"/>
+            <a:ext cx="3990581" cy="3103665"/>
           </a:xfrm>
           <a:prstGeom prst="rect">
             <a:avLst/>
@@ -10743,7 +10617,176 @@
     </p:spTree>
     <p:extLst>
       <p:ext uri="{BB962C8B-B14F-4D97-AF65-F5344CB8AC3E}">
-        <p14:creationId xmlns:p14="http://schemas.microsoft.com/office/powerpoint/2010/main" val="329055891"/>
+        <p14:creationId xmlns:p14="http://schemas.microsoft.com/office/powerpoint/2010/main" val="1283362675"/>
+      </p:ext>
+    </p:extLst>
+  </p:cSld>
+  <p:clrMapOvr>
+    <a:masterClrMapping/>
+  </p:clrMapOvr>
+</p:sld>
+</file>
+
+<file path=ppt/slides/slide31.xml><?xml version="1.0" encoding="utf-8"?>
+<p:sld xmlns:a="http://schemas.openxmlformats.org/drawingml/2006/main" xmlns:r="http://schemas.openxmlformats.org/officeDocument/2006/relationships" xmlns:p="http://schemas.openxmlformats.org/presentationml/2006/main">
+  <p:cSld>
+    <p:spTree>
+      <p:nvGrpSpPr>
+        <p:cNvPr id="1" name=""/>
+        <p:cNvGrpSpPr/>
+        <p:nvPr/>
+      </p:nvGrpSpPr>
+      <p:grpSpPr>
+        <a:xfrm>
+          <a:off x="0" y="0"/>
+          <a:ext cx="0" cy="0"/>
+          <a:chOff x="0" y="0"/>
+          <a:chExt cx="0" cy="0"/>
+        </a:xfrm>
+      </p:grpSpPr>
+      <p:sp>
+        <p:nvSpPr>
+          <p:cNvPr id="4" name="標題 3">
+            <a:extLst>
+              <a:ext uri="{FF2B5EF4-FFF2-40B4-BE49-F238E27FC236}">
+                <a16:creationId xmlns:a16="http://schemas.microsoft.com/office/drawing/2014/main" id="{983307EE-69ED-B464-9C8F-AE435B805D42}"/>
+              </a:ext>
+            </a:extLst>
+          </p:cNvPr>
+          <p:cNvSpPr>
+            <a:spLocks noGrp="1"/>
+          </p:cNvSpPr>
+          <p:nvPr>
+            <p:ph type="title"/>
+          </p:nvPr>
+        </p:nvSpPr>
+        <p:spPr/>
+        <p:txBody>
+          <a:bodyPr/>
+          <a:lstStyle/>
+          <a:p>
+            <a:r>
+              <a:rPr lang="en-US" altLang="zh-TW" dirty="0"/>
+              <a:t>Assign Dual-port RAMs with BIND_STORAGE</a:t>
+            </a:r>
+            <a:endParaRPr lang="zh-TW" altLang="en-US" dirty="0"/>
+          </a:p>
+        </p:txBody>
+      </p:sp>
+      <p:sp>
+        <p:nvSpPr>
+          <p:cNvPr id="6" name="內容版面配置區 5">
+            <a:extLst>
+              <a:ext uri="{FF2B5EF4-FFF2-40B4-BE49-F238E27FC236}">
+                <a16:creationId xmlns:a16="http://schemas.microsoft.com/office/drawing/2014/main" id="{1F2F90CC-4669-D25B-9138-6284190EB2F8}"/>
+              </a:ext>
+            </a:extLst>
+          </p:cNvPr>
+          <p:cNvSpPr>
+            <a:spLocks noGrp="1"/>
+          </p:cNvSpPr>
+          <p:nvPr>
+            <p:ph sz="half" idx="2"/>
+          </p:nvPr>
+        </p:nvSpPr>
+        <p:spPr>
+          <a:xfrm>
+            <a:off x="1438323" y="2285999"/>
+            <a:ext cx="9534477" cy="1866551"/>
+          </a:xfrm>
+        </p:spPr>
+        <p:txBody>
+          <a:bodyPr/>
+          <a:lstStyle/>
+          <a:p>
+            <a:r>
+              <a:rPr lang="en-US" altLang="zh-TW" dirty="0"/>
+              <a:t>In the tutorial, we are asked to use BRAMs to store </a:t>
+            </a:r>
+            <a:r>
+              <a:rPr lang="en-US" altLang="zh-TW" dirty="0" err="1"/>
+              <a:t>col_inbuf</a:t>
+            </a:r>
+            <a:r>
+              <a:rPr lang="en-US" altLang="zh-TW" dirty="0"/>
+              <a:t> and buf_2d_out. After synthesis, the result is shown in the figure below.</a:t>
+            </a:r>
+          </a:p>
+          <a:p>
+            <a:r>
+              <a:rPr lang="en-US" altLang="zh-TW" dirty="0"/>
+              <a:t>We can see that the total latency increases a lot. Besides, II violation is issued (II violation does not influence the co-simulation result. In HLS, II violation will be issued if II is not 1.)</a:t>
+            </a:r>
+            <a:endParaRPr lang="zh-TW" altLang="en-US" dirty="0"/>
+          </a:p>
+        </p:txBody>
+      </p:sp>
+      <p:pic>
+        <p:nvPicPr>
+          <p:cNvPr id="7" name="內容版面配置區 6">
+            <a:extLst>
+              <a:ext uri="{FF2B5EF4-FFF2-40B4-BE49-F238E27FC236}">
+                <a16:creationId xmlns:a16="http://schemas.microsoft.com/office/drawing/2014/main" id="{18E42F90-485A-CFC0-1F5B-9C9A16045D09}"/>
+              </a:ext>
+            </a:extLst>
+          </p:cNvPr>
+          <p:cNvPicPr>
+            <a:picLocks noGrp="1" noChangeAspect="1"/>
+          </p:cNvPicPr>
+          <p:nvPr>
+            <p:ph sz="half" idx="1"/>
+          </p:nvPr>
+        </p:nvPicPr>
+        <p:blipFill>
+          <a:blip r:embed="rId2"/>
+          <a:stretch>
+            <a:fillRect/>
+          </a:stretch>
+        </p:blipFill>
+        <p:spPr>
+          <a:xfrm>
+            <a:off x="1941352" y="4152550"/>
+            <a:ext cx="8309295" cy="2219100"/>
+          </a:xfrm>
+          <a:prstGeom prst="rect">
+            <a:avLst/>
+          </a:prstGeom>
+        </p:spPr>
+      </p:pic>
+      <p:pic>
+        <p:nvPicPr>
+          <p:cNvPr id="3" name="圖片 2">
+            <a:extLst>
+              <a:ext uri="{FF2B5EF4-FFF2-40B4-BE49-F238E27FC236}">
+                <a16:creationId xmlns:a16="http://schemas.microsoft.com/office/drawing/2014/main" id="{BB7BF59D-769E-90BF-D72F-3AA15D78EED9}"/>
+              </a:ext>
+            </a:extLst>
+          </p:cNvPr>
+          <p:cNvPicPr>
+            <a:picLocks noChangeAspect="1"/>
+          </p:cNvPicPr>
+          <p:nvPr/>
+        </p:nvPicPr>
+        <p:blipFill>
+          <a:blip r:embed="rId3"/>
+          <a:stretch>
+            <a:fillRect/>
+          </a:stretch>
+        </p:blipFill>
+        <p:spPr>
+          <a:xfrm>
+            <a:off x="8362764" y="1"/>
+            <a:ext cx="3829235" cy="2298654"/>
+          </a:xfrm>
+          <a:prstGeom prst="rect">
+            <a:avLst/>
+          </a:prstGeom>
+        </p:spPr>
+      </p:pic>
+    </p:spTree>
+    <p:extLst>
+      <p:ext uri="{BB962C8B-B14F-4D97-AF65-F5344CB8AC3E}">
+        <p14:creationId xmlns:p14="http://schemas.microsoft.com/office/powerpoint/2010/main" val="760153004"/>
       </p:ext>
     </p:extLst>
   </p:cSld>
@@ -10817,274 +10860,6 @@
         </p:nvSpPr>
         <p:spPr>
           <a:xfrm>
-            <a:off x="1438712" y="2285999"/>
-            <a:ext cx="9534477" cy="1866551"/>
-          </a:xfrm>
-        </p:spPr>
-        <p:txBody>
-          <a:bodyPr>
-            <a:normAutofit lnSpcReduction="10000"/>
-          </a:bodyPr>
-          <a:lstStyle/>
-          <a:p>
-            <a:r>
-              <a:rPr lang="en-US" altLang="zh-TW" dirty="0"/>
-              <a:t>I also tried to remove the II violation. I think that violation happened since the bandwidth of BRAM is not large enough. Therefore, I try to partition the array (the next optimization method). The result is shown below.</a:t>
-            </a:r>
-          </a:p>
-          <a:p>
-            <a:r>
-              <a:rPr lang="en-US" altLang="zh-TW" dirty="0"/>
-              <a:t>We can see that the latency is reduced (664 -&gt; 475), but still larger than that of the original method (444). To remove the II violation of writing output, I enlarge the II of </a:t>
-            </a:r>
-            <a:r>
-              <a:rPr lang="en-US" altLang="zh-TW" dirty="0" err="1"/>
-              <a:t>WR_Loop_ROW</a:t>
-            </a:r>
-            <a:r>
-              <a:rPr lang="en-US" altLang="zh-TW" dirty="0"/>
-              <a:t> as 2. The result is shown in the next page.</a:t>
-            </a:r>
-            <a:endParaRPr lang="zh-TW" altLang="en-US" dirty="0"/>
-          </a:p>
-        </p:txBody>
-      </p:sp>
-      <p:pic>
-        <p:nvPicPr>
-          <p:cNvPr id="5" name="內容版面配置區 4">
-            <a:extLst>
-              <a:ext uri="{FF2B5EF4-FFF2-40B4-BE49-F238E27FC236}">
-                <a16:creationId xmlns:a16="http://schemas.microsoft.com/office/drawing/2014/main" id="{C9BD604F-EA9B-04A8-BC43-53E44CBD428F}"/>
-              </a:ext>
-            </a:extLst>
-          </p:cNvPr>
-          <p:cNvPicPr>
-            <a:picLocks noGrp="1" noChangeAspect="1"/>
-          </p:cNvPicPr>
-          <p:nvPr>
-            <p:ph sz="half" idx="1"/>
-          </p:nvPr>
-        </p:nvPicPr>
-        <p:blipFill>
-          <a:blip r:embed="rId2"/>
-          <a:stretch>
-            <a:fillRect/>
-          </a:stretch>
-        </p:blipFill>
-        <p:spPr>
-          <a:xfrm>
-            <a:off x="1623269" y="4266849"/>
-            <a:ext cx="9097861" cy="2390003"/>
-          </a:xfrm>
-          <a:prstGeom prst="rect">
-            <a:avLst/>
-          </a:prstGeom>
-        </p:spPr>
-      </p:pic>
-    </p:spTree>
-    <p:extLst>
-      <p:ext uri="{BB962C8B-B14F-4D97-AF65-F5344CB8AC3E}">
-        <p14:creationId xmlns:p14="http://schemas.microsoft.com/office/powerpoint/2010/main" val="2619250021"/>
-      </p:ext>
-    </p:extLst>
-  </p:cSld>
-  <p:clrMapOvr>
-    <a:masterClrMapping/>
-  </p:clrMapOvr>
-</p:sld>
-</file>
-
-<file path=ppt/slides/slide33.xml><?xml version="1.0" encoding="utf-8"?>
-<p:sld xmlns:a="http://schemas.openxmlformats.org/drawingml/2006/main" xmlns:r="http://schemas.openxmlformats.org/officeDocument/2006/relationships" xmlns:p="http://schemas.openxmlformats.org/presentationml/2006/main">
-  <p:cSld>
-    <p:spTree>
-      <p:nvGrpSpPr>
-        <p:cNvPr id="1" name=""/>
-        <p:cNvGrpSpPr/>
-        <p:nvPr/>
-      </p:nvGrpSpPr>
-      <p:grpSpPr>
-        <a:xfrm>
-          <a:off x="0" y="0"/>
-          <a:ext cx="0" cy="0"/>
-          <a:chOff x="0" y="0"/>
-          <a:chExt cx="0" cy="0"/>
-        </a:xfrm>
-      </p:grpSpPr>
-      <p:sp>
-        <p:nvSpPr>
-          <p:cNvPr id="4" name="標題 3">
-            <a:extLst>
-              <a:ext uri="{FF2B5EF4-FFF2-40B4-BE49-F238E27FC236}">
-                <a16:creationId xmlns:a16="http://schemas.microsoft.com/office/drawing/2014/main" id="{983307EE-69ED-B464-9C8F-AE435B805D42}"/>
-              </a:ext>
-            </a:extLst>
-          </p:cNvPr>
-          <p:cNvSpPr>
-            <a:spLocks noGrp="1"/>
-          </p:cNvSpPr>
-          <p:nvPr>
-            <p:ph type="title"/>
-          </p:nvPr>
-        </p:nvSpPr>
-        <p:spPr/>
-        <p:txBody>
-          <a:bodyPr/>
-          <a:lstStyle/>
-          <a:p>
-            <a:r>
-              <a:rPr lang="en-US" altLang="zh-TW" dirty="0"/>
-              <a:t>Assign Dual-port RAMs with BIND_STORAGE</a:t>
-            </a:r>
-            <a:endParaRPr lang="zh-TW" altLang="en-US" dirty="0"/>
-          </a:p>
-        </p:txBody>
-      </p:sp>
-      <p:sp>
-        <p:nvSpPr>
-          <p:cNvPr id="6" name="內容版面配置區 5">
-            <a:extLst>
-              <a:ext uri="{FF2B5EF4-FFF2-40B4-BE49-F238E27FC236}">
-                <a16:creationId xmlns:a16="http://schemas.microsoft.com/office/drawing/2014/main" id="{1F2F90CC-4669-D25B-9138-6284190EB2F8}"/>
-              </a:ext>
-            </a:extLst>
-          </p:cNvPr>
-          <p:cNvSpPr>
-            <a:spLocks noGrp="1"/>
-          </p:cNvSpPr>
-          <p:nvPr>
-            <p:ph sz="half" idx="2"/>
-          </p:nvPr>
-        </p:nvSpPr>
-        <p:spPr>
-          <a:xfrm>
-            <a:off x="1438712" y="2285999"/>
-            <a:ext cx="9534477" cy="1866551"/>
-          </a:xfrm>
-        </p:spPr>
-        <p:txBody>
-          <a:bodyPr>
-            <a:normAutofit/>
-          </a:bodyPr>
-          <a:lstStyle/>
-          <a:p>
-            <a:r>
-              <a:rPr lang="en-US" altLang="zh-TW" dirty="0"/>
-              <a:t>No II violation is issued, and the latency decreases a little (still larger than that of the original method).</a:t>
-            </a:r>
-            <a:endParaRPr lang="zh-TW" altLang="en-US" dirty="0"/>
-          </a:p>
-        </p:txBody>
-      </p:sp>
-      <p:pic>
-        <p:nvPicPr>
-          <p:cNvPr id="8" name="內容版面配置區 7">
-            <a:extLst>
-              <a:ext uri="{FF2B5EF4-FFF2-40B4-BE49-F238E27FC236}">
-                <a16:creationId xmlns:a16="http://schemas.microsoft.com/office/drawing/2014/main" id="{0B229C2F-E439-CD18-78B7-B4A6DA4D5A25}"/>
-              </a:ext>
-            </a:extLst>
-          </p:cNvPr>
-          <p:cNvPicPr>
-            <a:picLocks noGrp="1" noChangeAspect="1"/>
-          </p:cNvPicPr>
-          <p:nvPr>
-            <p:ph sz="half" idx="1"/>
-          </p:nvPr>
-        </p:nvPicPr>
-        <p:blipFill>
-          <a:blip r:embed="rId2"/>
-          <a:stretch>
-            <a:fillRect/>
-          </a:stretch>
-        </p:blipFill>
-        <p:spPr>
-          <a:xfrm>
-            <a:off x="1614881" y="3429000"/>
-            <a:ext cx="9441809" cy="2494985"/>
-          </a:xfrm>
-          <a:prstGeom prst="rect">
-            <a:avLst/>
-          </a:prstGeom>
-        </p:spPr>
-      </p:pic>
-    </p:spTree>
-    <p:extLst>
-      <p:ext uri="{BB962C8B-B14F-4D97-AF65-F5344CB8AC3E}">
-        <p14:creationId xmlns:p14="http://schemas.microsoft.com/office/powerpoint/2010/main" val="2767361066"/>
-      </p:ext>
-    </p:extLst>
-  </p:cSld>
-  <p:clrMapOvr>
-    <a:masterClrMapping/>
-  </p:clrMapOvr>
-</p:sld>
-</file>
-
-<file path=ppt/slides/slide34.xml><?xml version="1.0" encoding="utf-8"?>
-<p:sld xmlns:a="http://schemas.openxmlformats.org/drawingml/2006/main" xmlns:r="http://schemas.openxmlformats.org/officeDocument/2006/relationships" xmlns:p="http://schemas.openxmlformats.org/presentationml/2006/main">
-  <p:cSld>
-    <p:spTree>
-      <p:nvGrpSpPr>
-        <p:cNvPr id="1" name=""/>
-        <p:cNvGrpSpPr/>
-        <p:nvPr/>
-      </p:nvGrpSpPr>
-      <p:grpSpPr>
-        <a:xfrm>
-          <a:off x="0" y="0"/>
-          <a:ext cx="0" cy="0"/>
-          <a:chOff x="0" y="0"/>
-          <a:chExt cx="0" cy="0"/>
-        </a:xfrm>
-      </p:grpSpPr>
-      <p:sp>
-        <p:nvSpPr>
-          <p:cNvPr id="4" name="標題 3">
-            <a:extLst>
-              <a:ext uri="{FF2B5EF4-FFF2-40B4-BE49-F238E27FC236}">
-                <a16:creationId xmlns:a16="http://schemas.microsoft.com/office/drawing/2014/main" id="{983307EE-69ED-B464-9C8F-AE435B805D42}"/>
-              </a:ext>
-            </a:extLst>
-          </p:cNvPr>
-          <p:cNvSpPr>
-            <a:spLocks noGrp="1"/>
-          </p:cNvSpPr>
-          <p:nvPr>
-            <p:ph type="title"/>
-          </p:nvPr>
-        </p:nvSpPr>
-        <p:spPr/>
-        <p:txBody>
-          <a:bodyPr/>
-          <a:lstStyle/>
-          <a:p>
-            <a:r>
-              <a:rPr lang="en-US" altLang="zh-TW" dirty="0"/>
-              <a:t>Assign Dual-port RAMs with BIND_STORAGE</a:t>
-            </a:r>
-            <a:endParaRPr lang="zh-TW" altLang="en-US" dirty="0"/>
-          </a:p>
-        </p:txBody>
-      </p:sp>
-      <p:sp>
-        <p:nvSpPr>
-          <p:cNvPr id="6" name="內容版面配置區 5">
-            <a:extLst>
-              <a:ext uri="{FF2B5EF4-FFF2-40B4-BE49-F238E27FC236}">
-                <a16:creationId xmlns:a16="http://schemas.microsoft.com/office/drawing/2014/main" id="{1F2F90CC-4669-D25B-9138-6284190EB2F8}"/>
-              </a:ext>
-            </a:extLst>
-          </p:cNvPr>
-          <p:cNvSpPr>
-            <a:spLocks noGrp="1"/>
-          </p:cNvSpPr>
-          <p:nvPr>
-            <p:ph sz="half" idx="2"/>
-          </p:nvPr>
-        </p:nvSpPr>
-        <p:spPr>
-          <a:xfrm>
             <a:off x="1404961" y="2171700"/>
             <a:ext cx="9534477" cy="952151"/>
           </a:xfrm>
@@ -11095,7 +10870,7 @@
           <a:p>
             <a:r>
               <a:rPr lang="en-US" altLang="zh-TW" dirty="0"/>
-              <a:t>Again, compare their utilization, and we can see that the original method looks better.</a:t>
+              <a:t> Take a look at the report, and we can see that it uses more resource as well. Therefore, I think that this method is not for this application.</a:t>
             </a:r>
             <a:endParaRPr lang="zh-TW" altLang="en-US" dirty="0"/>
           </a:p>
@@ -11115,6 +10890,11 @@
           </p:cNvGraphicFramePr>
           <p:nvPr>
             <p:ph sz="half" idx="1"/>
+            <p:extLst>
+              <p:ext uri="{D42A27DB-BD31-4B8C-83A1-F6EECF244321}">
+                <p14:modId xmlns:p14="http://schemas.microsoft.com/office/powerpoint/2010/main" val="2541454664"/>
+              </p:ext>
+            </p:extLst>
           </p:nvPr>
         </p:nvGraphicFramePr>
         <p:xfrm>
@@ -11257,6 +11037,551 @@
       </p:pic>
       <p:pic>
         <p:nvPicPr>
+          <p:cNvPr id="11" name="圖片 10">
+            <a:extLst>
+              <a:ext uri="{FF2B5EF4-FFF2-40B4-BE49-F238E27FC236}">
+                <a16:creationId xmlns:a16="http://schemas.microsoft.com/office/drawing/2014/main" id="{28CAD592-6AD4-FACA-D87B-298A1A4F89E5}"/>
+              </a:ext>
+            </a:extLst>
+          </p:cNvPr>
+          <p:cNvPicPr>
+            <a:picLocks noChangeAspect="1"/>
+          </p:cNvPicPr>
+          <p:nvPr/>
+        </p:nvPicPr>
+        <p:blipFill>
+          <a:blip r:embed="rId3"/>
+          <a:stretch>
+            <a:fillRect/>
+          </a:stretch>
+        </p:blipFill>
+        <p:spPr>
+          <a:xfrm>
+            <a:off x="6293144" y="3553697"/>
+            <a:ext cx="4105171" cy="3103665"/>
+          </a:xfrm>
+          <a:prstGeom prst="rect">
+            <a:avLst/>
+          </a:prstGeom>
+        </p:spPr>
+      </p:pic>
+    </p:spTree>
+    <p:extLst>
+      <p:ext uri="{BB962C8B-B14F-4D97-AF65-F5344CB8AC3E}">
+        <p14:creationId xmlns:p14="http://schemas.microsoft.com/office/powerpoint/2010/main" val="329055891"/>
+      </p:ext>
+    </p:extLst>
+  </p:cSld>
+  <p:clrMapOvr>
+    <a:masterClrMapping/>
+  </p:clrMapOvr>
+</p:sld>
+</file>
+
+<file path=ppt/slides/slide33.xml><?xml version="1.0" encoding="utf-8"?>
+<p:sld xmlns:a="http://schemas.openxmlformats.org/drawingml/2006/main" xmlns:r="http://schemas.openxmlformats.org/officeDocument/2006/relationships" xmlns:p="http://schemas.openxmlformats.org/presentationml/2006/main">
+  <p:cSld>
+    <p:spTree>
+      <p:nvGrpSpPr>
+        <p:cNvPr id="1" name=""/>
+        <p:cNvGrpSpPr/>
+        <p:nvPr/>
+      </p:nvGrpSpPr>
+      <p:grpSpPr>
+        <a:xfrm>
+          <a:off x="0" y="0"/>
+          <a:ext cx="0" cy="0"/>
+          <a:chOff x="0" y="0"/>
+          <a:chExt cx="0" cy="0"/>
+        </a:xfrm>
+      </p:grpSpPr>
+      <p:sp>
+        <p:nvSpPr>
+          <p:cNvPr id="4" name="標題 3">
+            <a:extLst>
+              <a:ext uri="{FF2B5EF4-FFF2-40B4-BE49-F238E27FC236}">
+                <a16:creationId xmlns:a16="http://schemas.microsoft.com/office/drawing/2014/main" id="{983307EE-69ED-B464-9C8F-AE435B805D42}"/>
+              </a:ext>
+            </a:extLst>
+          </p:cNvPr>
+          <p:cNvSpPr>
+            <a:spLocks noGrp="1"/>
+          </p:cNvSpPr>
+          <p:nvPr>
+            <p:ph type="title"/>
+          </p:nvPr>
+        </p:nvSpPr>
+        <p:spPr/>
+        <p:txBody>
+          <a:bodyPr/>
+          <a:lstStyle/>
+          <a:p>
+            <a:r>
+              <a:rPr lang="en-US" altLang="zh-TW" dirty="0"/>
+              <a:t>Assign Dual-port RAMs with BIND_STORAGE</a:t>
+            </a:r>
+            <a:endParaRPr lang="zh-TW" altLang="en-US" dirty="0"/>
+          </a:p>
+        </p:txBody>
+      </p:sp>
+      <p:sp>
+        <p:nvSpPr>
+          <p:cNvPr id="6" name="內容版面配置區 5">
+            <a:extLst>
+              <a:ext uri="{FF2B5EF4-FFF2-40B4-BE49-F238E27FC236}">
+                <a16:creationId xmlns:a16="http://schemas.microsoft.com/office/drawing/2014/main" id="{1F2F90CC-4669-D25B-9138-6284190EB2F8}"/>
+              </a:ext>
+            </a:extLst>
+          </p:cNvPr>
+          <p:cNvSpPr>
+            <a:spLocks noGrp="1"/>
+          </p:cNvSpPr>
+          <p:nvPr>
+            <p:ph sz="half" idx="2"/>
+          </p:nvPr>
+        </p:nvSpPr>
+        <p:spPr>
+          <a:xfrm>
+            <a:off x="1438712" y="2285999"/>
+            <a:ext cx="9534477" cy="1866551"/>
+          </a:xfrm>
+        </p:spPr>
+        <p:txBody>
+          <a:bodyPr>
+            <a:normAutofit lnSpcReduction="10000"/>
+          </a:bodyPr>
+          <a:lstStyle/>
+          <a:p>
+            <a:r>
+              <a:rPr lang="en-US" altLang="zh-TW" dirty="0"/>
+              <a:t>I also tried to remove the II violation. I think that violation happened since the bandwidth of BRAM is not large enough. Therefore, I try to partition the array (the next optimization method). The result is shown below.</a:t>
+            </a:r>
+          </a:p>
+          <a:p>
+            <a:r>
+              <a:rPr lang="en-US" altLang="zh-TW" dirty="0"/>
+              <a:t>We can see that the latency is reduced (664 -&gt; 475), but still larger than that of the original method (444). To remove the II violation of writing output, I enlarge the II of </a:t>
+            </a:r>
+            <a:r>
+              <a:rPr lang="en-US" altLang="zh-TW" dirty="0" err="1"/>
+              <a:t>WR_Loop_ROW</a:t>
+            </a:r>
+            <a:r>
+              <a:rPr lang="en-US" altLang="zh-TW" dirty="0"/>
+              <a:t> as 2. The result is shown in the next page.</a:t>
+            </a:r>
+            <a:endParaRPr lang="zh-TW" altLang="en-US" dirty="0"/>
+          </a:p>
+        </p:txBody>
+      </p:sp>
+      <p:pic>
+        <p:nvPicPr>
+          <p:cNvPr id="5" name="內容版面配置區 4">
+            <a:extLst>
+              <a:ext uri="{FF2B5EF4-FFF2-40B4-BE49-F238E27FC236}">
+                <a16:creationId xmlns:a16="http://schemas.microsoft.com/office/drawing/2014/main" id="{C9BD604F-EA9B-04A8-BC43-53E44CBD428F}"/>
+              </a:ext>
+            </a:extLst>
+          </p:cNvPr>
+          <p:cNvPicPr>
+            <a:picLocks noGrp="1" noChangeAspect="1"/>
+          </p:cNvPicPr>
+          <p:nvPr>
+            <p:ph sz="half" idx="1"/>
+          </p:nvPr>
+        </p:nvPicPr>
+        <p:blipFill>
+          <a:blip r:embed="rId2"/>
+          <a:stretch>
+            <a:fillRect/>
+          </a:stretch>
+        </p:blipFill>
+        <p:spPr>
+          <a:xfrm>
+            <a:off x="1623269" y="4266849"/>
+            <a:ext cx="9097861" cy="2390003"/>
+          </a:xfrm>
+          <a:prstGeom prst="rect">
+            <a:avLst/>
+          </a:prstGeom>
+        </p:spPr>
+      </p:pic>
+    </p:spTree>
+    <p:extLst>
+      <p:ext uri="{BB962C8B-B14F-4D97-AF65-F5344CB8AC3E}">
+        <p14:creationId xmlns:p14="http://schemas.microsoft.com/office/powerpoint/2010/main" val="2619250021"/>
+      </p:ext>
+    </p:extLst>
+  </p:cSld>
+  <p:clrMapOvr>
+    <a:masterClrMapping/>
+  </p:clrMapOvr>
+</p:sld>
+</file>
+
+<file path=ppt/slides/slide34.xml><?xml version="1.0" encoding="utf-8"?>
+<p:sld xmlns:a="http://schemas.openxmlformats.org/drawingml/2006/main" xmlns:r="http://schemas.openxmlformats.org/officeDocument/2006/relationships" xmlns:p="http://schemas.openxmlformats.org/presentationml/2006/main">
+  <p:cSld>
+    <p:spTree>
+      <p:nvGrpSpPr>
+        <p:cNvPr id="1" name=""/>
+        <p:cNvGrpSpPr/>
+        <p:nvPr/>
+      </p:nvGrpSpPr>
+      <p:grpSpPr>
+        <a:xfrm>
+          <a:off x="0" y="0"/>
+          <a:ext cx="0" cy="0"/>
+          <a:chOff x="0" y="0"/>
+          <a:chExt cx="0" cy="0"/>
+        </a:xfrm>
+      </p:grpSpPr>
+      <p:sp>
+        <p:nvSpPr>
+          <p:cNvPr id="4" name="標題 3">
+            <a:extLst>
+              <a:ext uri="{FF2B5EF4-FFF2-40B4-BE49-F238E27FC236}">
+                <a16:creationId xmlns:a16="http://schemas.microsoft.com/office/drawing/2014/main" id="{983307EE-69ED-B464-9C8F-AE435B805D42}"/>
+              </a:ext>
+            </a:extLst>
+          </p:cNvPr>
+          <p:cNvSpPr>
+            <a:spLocks noGrp="1"/>
+          </p:cNvSpPr>
+          <p:nvPr>
+            <p:ph type="title"/>
+          </p:nvPr>
+        </p:nvSpPr>
+        <p:spPr/>
+        <p:txBody>
+          <a:bodyPr/>
+          <a:lstStyle/>
+          <a:p>
+            <a:r>
+              <a:rPr lang="en-US" altLang="zh-TW" dirty="0"/>
+              <a:t>Assign Dual-port RAMs with BIND_STORAGE</a:t>
+            </a:r>
+            <a:endParaRPr lang="zh-TW" altLang="en-US" dirty="0"/>
+          </a:p>
+        </p:txBody>
+      </p:sp>
+      <p:sp>
+        <p:nvSpPr>
+          <p:cNvPr id="6" name="內容版面配置區 5">
+            <a:extLst>
+              <a:ext uri="{FF2B5EF4-FFF2-40B4-BE49-F238E27FC236}">
+                <a16:creationId xmlns:a16="http://schemas.microsoft.com/office/drawing/2014/main" id="{1F2F90CC-4669-D25B-9138-6284190EB2F8}"/>
+              </a:ext>
+            </a:extLst>
+          </p:cNvPr>
+          <p:cNvSpPr>
+            <a:spLocks noGrp="1"/>
+          </p:cNvSpPr>
+          <p:nvPr>
+            <p:ph sz="half" idx="2"/>
+          </p:nvPr>
+        </p:nvSpPr>
+        <p:spPr>
+          <a:xfrm>
+            <a:off x="1438712" y="2285999"/>
+            <a:ext cx="9534477" cy="1866551"/>
+          </a:xfrm>
+        </p:spPr>
+        <p:txBody>
+          <a:bodyPr>
+            <a:normAutofit/>
+          </a:bodyPr>
+          <a:lstStyle/>
+          <a:p>
+            <a:r>
+              <a:rPr lang="en-US" altLang="zh-TW" dirty="0"/>
+              <a:t>No II violation is issued, and the latency decreases a little (still larger than that of the original method).</a:t>
+            </a:r>
+            <a:endParaRPr lang="zh-TW" altLang="en-US" dirty="0"/>
+          </a:p>
+        </p:txBody>
+      </p:sp>
+      <p:pic>
+        <p:nvPicPr>
+          <p:cNvPr id="8" name="內容版面配置區 7">
+            <a:extLst>
+              <a:ext uri="{FF2B5EF4-FFF2-40B4-BE49-F238E27FC236}">
+                <a16:creationId xmlns:a16="http://schemas.microsoft.com/office/drawing/2014/main" id="{0B229C2F-E439-CD18-78B7-B4A6DA4D5A25}"/>
+              </a:ext>
+            </a:extLst>
+          </p:cNvPr>
+          <p:cNvPicPr>
+            <a:picLocks noGrp="1" noChangeAspect="1"/>
+          </p:cNvPicPr>
+          <p:nvPr>
+            <p:ph sz="half" idx="1"/>
+          </p:nvPr>
+        </p:nvPicPr>
+        <p:blipFill>
+          <a:blip r:embed="rId2"/>
+          <a:stretch>
+            <a:fillRect/>
+          </a:stretch>
+        </p:blipFill>
+        <p:spPr>
+          <a:xfrm>
+            <a:off x="1614881" y="3429000"/>
+            <a:ext cx="9441809" cy="2494985"/>
+          </a:xfrm>
+          <a:prstGeom prst="rect">
+            <a:avLst/>
+          </a:prstGeom>
+        </p:spPr>
+      </p:pic>
+    </p:spTree>
+    <p:extLst>
+      <p:ext uri="{BB962C8B-B14F-4D97-AF65-F5344CB8AC3E}">
+        <p14:creationId xmlns:p14="http://schemas.microsoft.com/office/powerpoint/2010/main" val="2767361066"/>
+      </p:ext>
+    </p:extLst>
+  </p:cSld>
+  <p:clrMapOvr>
+    <a:masterClrMapping/>
+  </p:clrMapOvr>
+</p:sld>
+</file>
+
+<file path=ppt/slides/slide35.xml><?xml version="1.0" encoding="utf-8"?>
+<p:sld xmlns:a="http://schemas.openxmlformats.org/drawingml/2006/main" xmlns:r="http://schemas.openxmlformats.org/officeDocument/2006/relationships" xmlns:p="http://schemas.openxmlformats.org/presentationml/2006/main">
+  <p:cSld>
+    <p:spTree>
+      <p:nvGrpSpPr>
+        <p:cNvPr id="1" name=""/>
+        <p:cNvGrpSpPr/>
+        <p:nvPr/>
+      </p:nvGrpSpPr>
+      <p:grpSpPr>
+        <a:xfrm>
+          <a:off x="0" y="0"/>
+          <a:ext cx="0" cy="0"/>
+          <a:chOff x="0" y="0"/>
+          <a:chExt cx="0" cy="0"/>
+        </a:xfrm>
+      </p:grpSpPr>
+      <p:sp>
+        <p:nvSpPr>
+          <p:cNvPr id="4" name="標題 3">
+            <a:extLst>
+              <a:ext uri="{FF2B5EF4-FFF2-40B4-BE49-F238E27FC236}">
+                <a16:creationId xmlns:a16="http://schemas.microsoft.com/office/drawing/2014/main" id="{983307EE-69ED-B464-9C8F-AE435B805D42}"/>
+              </a:ext>
+            </a:extLst>
+          </p:cNvPr>
+          <p:cNvSpPr>
+            <a:spLocks noGrp="1"/>
+          </p:cNvSpPr>
+          <p:nvPr>
+            <p:ph type="title"/>
+          </p:nvPr>
+        </p:nvSpPr>
+        <p:spPr/>
+        <p:txBody>
+          <a:bodyPr/>
+          <a:lstStyle/>
+          <a:p>
+            <a:r>
+              <a:rPr lang="en-US" altLang="zh-TW" dirty="0"/>
+              <a:t>Assign Dual-port RAMs with BIND_STORAGE</a:t>
+            </a:r>
+            <a:endParaRPr lang="zh-TW" altLang="en-US" dirty="0"/>
+          </a:p>
+        </p:txBody>
+      </p:sp>
+      <p:sp>
+        <p:nvSpPr>
+          <p:cNvPr id="6" name="內容版面配置區 5">
+            <a:extLst>
+              <a:ext uri="{FF2B5EF4-FFF2-40B4-BE49-F238E27FC236}">
+                <a16:creationId xmlns:a16="http://schemas.microsoft.com/office/drawing/2014/main" id="{1F2F90CC-4669-D25B-9138-6284190EB2F8}"/>
+              </a:ext>
+            </a:extLst>
+          </p:cNvPr>
+          <p:cNvSpPr>
+            <a:spLocks noGrp="1"/>
+          </p:cNvSpPr>
+          <p:nvPr>
+            <p:ph sz="half" idx="2"/>
+          </p:nvPr>
+        </p:nvSpPr>
+        <p:spPr>
+          <a:xfrm>
+            <a:off x="1404961" y="2171700"/>
+            <a:ext cx="9534477" cy="952151"/>
+          </a:xfrm>
+        </p:spPr>
+        <p:txBody>
+          <a:bodyPr/>
+          <a:lstStyle/>
+          <a:p>
+            <a:r>
+              <a:rPr lang="en-US" altLang="zh-TW" dirty="0"/>
+              <a:t>Again, compare their utilization, and we can see that the original method looks better.</a:t>
+            </a:r>
+            <a:endParaRPr lang="zh-TW" altLang="en-US" dirty="0"/>
+          </a:p>
+        </p:txBody>
+      </p:sp>
+      <p:graphicFrame>
+        <p:nvGraphicFramePr>
+          <p:cNvPr id="9" name="表格 9">
+            <a:extLst>
+              <a:ext uri="{FF2B5EF4-FFF2-40B4-BE49-F238E27FC236}">
+                <a16:creationId xmlns:a16="http://schemas.microsoft.com/office/drawing/2014/main" id="{A6519D90-2F45-9243-A85E-D41798B6E4EB}"/>
+              </a:ext>
+            </a:extLst>
+          </p:cNvPr>
+          <p:cNvGraphicFramePr>
+            <a:graphicFrameLocks noGrp="1"/>
+          </p:cNvGraphicFramePr>
+          <p:nvPr>
+            <p:ph sz="half" idx="1"/>
+          </p:nvPr>
+        </p:nvGraphicFramePr>
+        <p:xfrm>
+          <a:off x="1895211" y="2948730"/>
+          <a:ext cx="8632972" cy="3837964"/>
+        </p:xfrm>
+        <a:graphic>
+          <a:graphicData uri="http://schemas.openxmlformats.org/drawingml/2006/table">
+            <a:tbl>
+              <a:tblPr firstRow="1" bandRow="1">
+                <a:tableStyleId>{5C22544A-7EE6-4342-B048-85BDC9FD1C3A}</a:tableStyleId>
+              </a:tblPr>
+              <a:tblGrid>
+                <a:gridCol w="4237141">
+                  <a:extLst>
+                    <a:ext uri="{9D8B030D-6E8A-4147-A177-3AD203B41FA5}">
+                      <a16:colId xmlns:a16="http://schemas.microsoft.com/office/drawing/2014/main" val="708585779"/>
+                    </a:ext>
+                  </a:extLst>
+                </a:gridCol>
+                <a:gridCol w="4395831">
+                  <a:extLst>
+                    <a:ext uri="{9D8B030D-6E8A-4147-A177-3AD203B41FA5}">
+                      <a16:colId xmlns:a16="http://schemas.microsoft.com/office/drawing/2014/main" val="3393665702"/>
+                    </a:ext>
+                  </a:extLst>
+                </a:gridCol>
+              </a:tblGrid>
+              <a:tr h="441516">
+                <a:tc>
+                  <a:txBody>
+                    <a:bodyPr/>
+                    <a:lstStyle/>
+                    <a:p>
+                      <a:r>
+                        <a:rPr lang="en-US" altLang="zh-TW" sz="1800" b="1" kern="1200" dirty="0">
+                          <a:solidFill>
+                            <a:schemeClr val="lt1"/>
+                          </a:solidFill>
+                          <a:effectLst/>
+                          <a:latin typeface="+mn-lt"/>
+                          <a:ea typeface="+mn-ea"/>
+                          <a:cs typeface="+mn-cs"/>
+                        </a:rPr>
+                        <a:t>Original method</a:t>
+                      </a:r>
+                      <a:endParaRPr lang="zh-TW" altLang="en-US" dirty="0"/>
+                    </a:p>
+                  </a:txBody>
+                  <a:tcPr/>
+                </a:tc>
+                <a:tc>
+                  <a:txBody>
+                    <a:bodyPr/>
+                    <a:lstStyle/>
+                    <a:p>
+                      <a:r>
+                        <a:rPr lang="en-US" altLang="zh-TW" sz="1800" b="1" kern="1200" dirty="0">
+                          <a:solidFill>
+                            <a:schemeClr val="lt1"/>
+                          </a:solidFill>
+                          <a:effectLst/>
+                          <a:latin typeface="+mn-lt"/>
+                          <a:ea typeface="+mn-ea"/>
+                          <a:cs typeface="+mn-cs"/>
+                        </a:rPr>
+                        <a:t>This optimization method</a:t>
+                      </a:r>
+                      <a:endParaRPr lang="zh-TW" altLang="en-US" dirty="0"/>
+                    </a:p>
+                  </a:txBody>
+                  <a:tcPr/>
+                </a:tc>
+                <a:extLst>
+                  <a:ext uri="{0D108BD9-81ED-4DB2-BD59-A6C34878D82A}">
+                    <a16:rowId xmlns:a16="http://schemas.microsoft.com/office/drawing/2014/main" val="284944319"/>
+                  </a:ext>
+                </a:extLst>
+              </a:tr>
+              <a:tr h="3396448">
+                <a:tc>
+                  <a:txBody>
+                    <a:bodyPr/>
+                    <a:lstStyle/>
+                    <a:p>
+                      <a:endParaRPr lang="zh-TW" altLang="en-US" dirty="0"/>
+                    </a:p>
+                  </a:txBody>
+                  <a:tcPr/>
+                </a:tc>
+                <a:tc>
+                  <a:txBody>
+                    <a:bodyPr/>
+                    <a:lstStyle/>
+                    <a:p>
+                      <a:endParaRPr lang="zh-TW" altLang="en-US" dirty="0"/>
+                    </a:p>
+                  </a:txBody>
+                  <a:tcPr/>
+                </a:tc>
+                <a:extLst>
+                  <a:ext uri="{0D108BD9-81ED-4DB2-BD59-A6C34878D82A}">
+                    <a16:rowId xmlns:a16="http://schemas.microsoft.com/office/drawing/2014/main" val="3025402512"/>
+                  </a:ext>
+                </a:extLst>
+              </a:tr>
+            </a:tbl>
+          </a:graphicData>
+        </a:graphic>
+      </p:graphicFrame>
+      <p:pic>
+        <p:nvPicPr>
+          <p:cNvPr id="10" name="圖片 9">
+            <a:extLst>
+              <a:ext uri="{FF2B5EF4-FFF2-40B4-BE49-F238E27FC236}">
+                <a16:creationId xmlns:a16="http://schemas.microsoft.com/office/drawing/2014/main" id="{99A8CDD4-E9ED-3997-80F9-19F2BA5C8E64}"/>
+              </a:ext>
+            </a:extLst>
+          </p:cNvPr>
+          <p:cNvPicPr>
+            <a:picLocks noChangeAspect="1"/>
+          </p:cNvPicPr>
+          <p:nvPr/>
+        </p:nvPicPr>
+        <p:blipFill>
+          <a:blip r:embed="rId2"/>
+          <a:stretch>
+            <a:fillRect/>
+          </a:stretch>
+        </p:blipFill>
+        <p:spPr>
+          <a:xfrm>
+            <a:off x="1999376" y="3553698"/>
+            <a:ext cx="3930242" cy="3103665"/>
+          </a:xfrm>
+          <a:prstGeom prst="rect">
+            <a:avLst/>
+          </a:prstGeom>
+        </p:spPr>
+      </p:pic>
+      <p:pic>
+        <p:nvPicPr>
           <p:cNvPr id="2" name="圖片 1">
             <a:extLst>
               <a:ext uri="{FF2B5EF4-FFF2-40B4-BE49-F238E27FC236}">
@@ -11298,7 +11623,7 @@
 </p:sld>
 </file>
 
-<file path=ppt/slides/slide35.xml><?xml version="1.0" encoding="utf-8"?>
+<file path=ppt/slides/slide36.xml><?xml version="1.0" encoding="utf-8"?>
 <p:sld xmlns:a="http://schemas.openxmlformats.org/drawingml/2006/main" xmlns:r="http://schemas.openxmlformats.org/officeDocument/2006/relationships" xmlns:p="http://schemas.openxmlformats.org/presentationml/2006/main">
   <p:cSld>
     <p:spTree>
@@ -11360,6 +11685,134 @@
             <p:ph sz="half" idx="1"/>
           </p:nvPr>
         </p:nvSpPr>
+        <p:spPr/>
+        <p:txBody>
+          <a:bodyPr anchor="ctr"/>
+          <a:lstStyle/>
+          <a:p>
+            <a:r>
+              <a:rPr lang="en-US" altLang="zh-TW" dirty="0"/>
+              <a:t>In the tutorial, we are asked to partition the arrays, </a:t>
+            </a:r>
+            <a:r>
+              <a:rPr lang="en-US" altLang="zh-TW" dirty="0" err="1"/>
+              <a:t>col_inbuf</a:t>
+            </a:r>
+            <a:r>
+              <a:rPr lang="en-US" altLang="zh-TW" dirty="0"/>
+              <a:t> and buf_2d_out.</a:t>
+            </a:r>
+            <a:endParaRPr lang="zh-TW" altLang="en-US" dirty="0"/>
+          </a:p>
+        </p:txBody>
+      </p:sp>
+      <p:pic>
+        <p:nvPicPr>
+          <p:cNvPr id="7" name="內容版面配置區 6">
+            <a:extLst>
+              <a:ext uri="{FF2B5EF4-FFF2-40B4-BE49-F238E27FC236}">
+                <a16:creationId xmlns:a16="http://schemas.microsoft.com/office/drawing/2014/main" id="{DB151E17-14B5-68AD-4A5C-D5972D2CD95E}"/>
+              </a:ext>
+            </a:extLst>
+          </p:cNvPr>
+          <p:cNvPicPr>
+            <a:picLocks noGrp="1" noChangeAspect="1"/>
+          </p:cNvPicPr>
+          <p:nvPr>
+            <p:ph sz="half" idx="2"/>
+          </p:nvPr>
+        </p:nvPicPr>
+        <p:blipFill>
+          <a:blip r:embed="rId2"/>
+          <a:stretch>
+            <a:fillRect/>
+          </a:stretch>
+        </p:blipFill>
+        <p:spPr>
+          <a:xfrm>
+            <a:off x="6524625" y="2565629"/>
+            <a:ext cx="4448175" cy="3022142"/>
+          </a:xfrm>
+          <a:prstGeom prst="rect">
+            <a:avLst/>
+          </a:prstGeom>
+        </p:spPr>
+      </p:pic>
+    </p:spTree>
+    <p:extLst>
+      <p:ext uri="{BB962C8B-B14F-4D97-AF65-F5344CB8AC3E}">
+        <p14:creationId xmlns:p14="http://schemas.microsoft.com/office/powerpoint/2010/main" val="2265794616"/>
+      </p:ext>
+    </p:extLst>
+  </p:cSld>
+  <p:clrMapOvr>
+    <a:masterClrMapping/>
+  </p:clrMapOvr>
+</p:sld>
+</file>
+
+<file path=ppt/slides/slide37.xml><?xml version="1.0" encoding="utf-8"?>
+<p:sld xmlns:a="http://schemas.openxmlformats.org/drawingml/2006/main" xmlns:r="http://schemas.openxmlformats.org/officeDocument/2006/relationships" xmlns:p="http://schemas.openxmlformats.org/presentationml/2006/main">
+  <p:cSld>
+    <p:spTree>
+      <p:nvGrpSpPr>
+        <p:cNvPr id="1" name=""/>
+        <p:cNvGrpSpPr/>
+        <p:nvPr/>
+      </p:nvGrpSpPr>
+      <p:grpSpPr>
+        <a:xfrm>
+          <a:off x="0" y="0"/>
+          <a:ext cx="0" cy="0"/>
+          <a:chOff x="0" y="0"/>
+          <a:chExt cx="0" cy="0"/>
+        </a:xfrm>
+      </p:grpSpPr>
+      <p:sp>
+        <p:nvSpPr>
+          <p:cNvPr id="2" name="標題 1">
+            <a:extLst>
+              <a:ext uri="{FF2B5EF4-FFF2-40B4-BE49-F238E27FC236}">
+                <a16:creationId xmlns:a16="http://schemas.microsoft.com/office/drawing/2014/main" id="{8EC9EBB5-DDB2-7968-35A3-5FB29986CF89}"/>
+              </a:ext>
+            </a:extLst>
+          </p:cNvPr>
+          <p:cNvSpPr>
+            <a:spLocks noGrp="1"/>
+          </p:cNvSpPr>
+          <p:nvPr>
+            <p:ph type="title"/>
+          </p:nvPr>
+        </p:nvSpPr>
+        <p:spPr/>
+        <p:txBody>
+          <a:bodyPr/>
+          <a:lstStyle/>
+          <a:p>
+            <a:r>
+              <a:rPr lang="en-US" altLang="zh-TW" dirty="0"/>
+              <a:t>Assign an Array Partition</a:t>
+            </a:r>
+            <a:endParaRPr lang="zh-TW" altLang="en-US" dirty="0"/>
+          </a:p>
+        </p:txBody>
+      </p:sp>
+      <p:sp>
+        <p:nvSpPr>
+          <p:cNvPr id="3" name="內容版面配置區 2">
+            <a:extLst>
+              <a:ext uri="{FF2B5EF4-FFF2-40B4-BE49-F238E27FC236}">
+                <a16:creationId xmlns:a16="http://schemas.microsoft.com/office/drawing/2014/main" id="{5B50AF59-6C63-44D0-33C3-767DB7C35854}"/>
+              </a:ext>
+            </a:extLst>
+          </p:cNvPr>
+          <p:cNvSpPr>
+            <a:spLocks noGrp="1"/>
+          </p:cNvSpPr>
+          <p:nvPr>
+            <p:ph sz="half" idx="1"/>
+          </p:nvPr>
+        </p:nvSpPr>
         <p:spPr>
           <a:xfrm>
             <a:off x="845792" y="1909762"/>
@@ -11367,22 +11820,8 @@
           </a:xfrm>
         </p:spPr>
         <p:txBody>
-          <a:bodyPr/>
+          <a:bodyPr anchor="ctr"/>
           <a:lstStyle/>
-          <a:p>
-            <a:r>
-              <a:rPr lang="en-US" altLang="zh-TW" dirty="0"/>
-              <a:t>In the tutorial, we are asked to partition the arrays, </a:t>
-            </a:r>
-            <a:r>
-              <a:rPr lang="en-US" altLang="zh-TW" dirty="0" err="1"/>
-              <a:t>col_inbuf</a:t>
-            </a:r>
-            <a:r>
-              <a:rPr lang="en-US" altLang="zh-TW" dirty="0"/>
-              <a:t> and buf_2d_out. The result is shown in the figures below.</a:t>
-            </a:r>
-          </a:p>
           <a:p>
             <a:r>
               <a:rPr lang="en-US" altLang="zh-TW" dirty="0"/>
@@ -11437,13 +11876,7 @@
           <p:cNvGraphicFramePr>
             <a:graphicFrameLocks noChangeAspect="1"/>
           </p:cNvGraphicFramePr>
-          <p:nvPr>
-            <p:extLst>
-              <p:ext uri="{D42A27DB-BD31-4B8C-83A1-F6EECF244321}">
-                <p14:modId xmlns:p14="http://schemas.microsoft.com/office/powerpoint/2010/main" val="3293485607"/>
-              </p:ext>
-            </p:extLst>
-          </p:nvPr>
+          <p:nvPr/>
         </p:nvGraphicFramePr>
         <p:xfrm>
           <a:off x="3413125" y="2036763"/>
@@ -11453,21 +11886,27 @@
           <a:graphicData uri="http://schemas.openxmlformats.org/presentationml/2006/ole">
             <mc:AlternateContent xmlns:mc="http://schemas.openxmlformats.org/markup-compatibility/2006">
               <mc:Choice xmlns:v="urn:schemas-microsoft-com:vml" Requires="v">
-                <p:oleObj spid="_x0000_s2054" name="Document" r:id="rId3" imgW="5375980" imgH="2779306" progId="Word.Document.12">
+                <p:oleObj name="Document" r:id="rId2" imgW="5375980" imgH="2779306" progId="Word.Document.12">
                   <p:embed/>
                 </p:oleObj>
               </mc:Choice>
               <mc:Fallback>
-                <p:oleObj name="Document" r:id="rId3" imgW="5375980" imgH="2779306" progId="Word.Document.12">
+                <p:oleObj name="Document" r:id="rId2" imgW="5375980" imgH="2779306" progId="Word.Document.12">
                   <p:embed/>
                   <p:pic>
                     <p:nvPicPr>
-                      <p:cNvPr id="0" name=""/>
+                      <p:cNvPr id="8" name="物件 7">
+                        <a:extLst>
+                          <a:ext uri="{FF2B5EF4-FFF2-40B4-BE49-F238E27FC236}">
+                            <a16:creationId xmlns:a16="http://schemas.microsoft.com/office/drawing/2014/main" id="{69023E99-F617-15E6-C0B2-6C2C6340CD73}"/>
+                          </a:ext>
+                        </a:extLst>
+                      </p:cNvPr>
                       <p:cNvPicPr/>
                       <p:nvPr/>
                     </p:nvPicPr>
                     <p:blipFill>
-                      <a:blip r:embed="rId4"/>
+                      <a:blip r:embed="rId3"/>
                       <a:stretch>
                         <a:fillRect/>
                       </a:stretch>
@@ -11595,280 +12034,7 @@
     </p:spTree>
     <p:extLst>
       <p:ext uri="{BB962C8B-B14F-4D97-AF65-F5344CB8AC3E}">
-        <p14:creationId xmlns:p14="http://schemas.microsoft.com/office/powerpoint/2010/main" val="2265794616"/>
-      </p:ext>
-    </p:extLst>
-  </p:cSld>
-  <p:clrMapOvr>
-    <a:masterClrMapping/>
-  </p:clrMapOvr>
-</p:sld>
-</file>
-
-<file path=ppt/slides/slide36.xml><?xml version="1.0" encoding="utf-8"?>
-<p:sld xmlns:a="http://schemas.openxmlformats.org/drawingml/2006/main" xmlns:r="http://schemas.openxmlformats.org/officeDocument/2006/relationships" xmlns:p="http://schemas.openxmlformats.org/presentationml/2006/main">
-  <p:cSld>
-    <p:spTree>
-      <p:nvGrpSpPr>
-        <p:cNvPr id="1" name=""/>
-        <p:cNvGrpSpPr/>
-        <p:nvPr/>
-      </p:nvGrpSpPr>
-      <p:grpSpPr>
-        <a:xfrm>
-          <a:off x="0" y="0"/>
-          <a:ext cx="0" cy="0"/>
-          <a:chOff x="0" y="0"/>
-          <a:chExt cx="0" cy="0"/>
-        </a:xfrm>
-      </p:grpSpPr>
-      <p:sp>
-        <p:nvSpPr>
-          <p:cNvPr id="2" name="標題 1">
-            <a:extLst>
-              <a:ext uri="{FF2B5EF4-FFF2-40B4-BE49-F238E27FC236}">
-                <a16:creationId xmlns:a16="http://schemas.microsoft.com/office/drawing/2014/main" id="{E27E75AE-633D-2BC3-04B1-ADBDAE4D1B82}"/>
-              </a:ext>
-            </a:extLst>
-          </p:cNvPr>
-          <p:cNvSpPr>
-            <a:spLocks noGrp="1"/>
-          </p:cNvSpPr>
-          <p:nvPr>
-            <p:ph type="title"/>
-          </p:nvPr>
-        </p:nvSpPr>
-        <p:spPr/>
-        <p:txBody>
-          <a:bodyPr/>
-          <a:lstStyle/>
-          <a:p>
-            <a:r>
-              <a:rPr lang="en-US" altLang="zh-TW" dirty="0"/>
-              <a:t>Dataflow Optimization</a:t>
-            </a:r>
-            <a:endParaRPr lang="zh-TW" altLang="en-US" dirty="0"/>
-          </a:p>
-        </p:txBody>
-      </p:sp>
-      <p:sp>
-        <p:nvSpPr>
-          <p:cNvPr id="7" name="內容版面配置區 6">
-            <a:extLst>
-              <a:ext uri="{FF2B5EF4-FFF2-40B4-BE49-F238E27FC236}">
-                <a16:creationId xmlns:a16="http://schemas.microsoft.com/office/drawing/2014/main" id="{43C04578-7418-4E98-6B83-514B05EACACE}"/>
-              </a:ext>
-            </a:extLst>
-          </p:cNvPr>
-          <p:cNvSpPr>
-            <a:spLocks noGrp="1"/>
-          </p:cNvSpPr>
-          <p:nvPr>
-            <p:ph sz="half" idx="2"/>
-          </p:nvPr>
-        </p:nvSpPr>
-        <p:spPr/>
-        <p:txBody>
-          <a:bodyPr anchor="ctr"/>
-          <a:lstStyle/>
-          <a:p>
-            <a:r>
-              <a:rPr lang="en-US" altLang="zh-TW" dirty="0"/>
-              <a:t>In the tutorial, we are asked to add pragma DATAFLOW to the directives. This pragma enables task-level pipelining. The HLS tool will analyze the dataflow between functions and see whether they can overlap or not. The comparison result is shown in the figure below.</a:t>
-            </a:r>
-            <a:endParaRPr lang="zh-TW" altLang="en-US" dirty="0"/>
-          </a:p>
-          <a:p>
-            <a:endParaRPr lang="zh-TW" altLang="en-US" dirty="0"/>
-          </a:p>
-        </p:txBody>
-      </p:sp>
-      <p:pic>
-        <p:nvPicPr>
-          <p:cNvPr id="8" name="內容版面配置區 7" descr="Synthesis Report">
-            <a:extLst>
-              <a:ext uri="{FF2B5EF4-FFF2-40B4-BE49-F238E27FC236}">
-                <a16:creationId xmlns:a16="http://schemas.microsoft.com/office/drawing/2014/main" id="{DE15F76A-6DD1-0698-9A79-149BFB62D098}"/>
-              </a:ext>
-            </a:extLst>
-          </p:cNvPr>
-          <p:cNvPicPr>
-            <a:picLocks noGrp="1" noChangeAspect="1"/>
-          </p:cNvPicPr>
-          <p:nvPr>
-            <p:ph sz="half" idx="1"/>
-          </p:nvPr>
-        </p:nvPicPr>
-        <p:blipFill rotWithShape="1">
-          <a:blip r:embed="rId2">
-            <a:extLst>
-              <a:ext uri="{28A0092B-C50C-407E-A947-70E740481C1C}">
-                <a14:useLocalDpi xmlns:a14="http://schemas.microsoft.com/office/drawing/2010/main" val="0"/>
-              </a:ext>
-            </a:extLst>
-          </a:blip>
-          <a:srcRect b="28303"/>
-          <a:stretch/>
-        </p:blipFill>
-        <p:spPr bwMode="auto">
-          <a:xfrm>
-            <a:off x="1863668" y="2074178"/>
-            <a:ext cx="3733351" cy="4098022"/>
-          </a:xfrm>
-          <a:prstGeom prst="rect">
-            <a:avLst/>
-          </a:prstGeom>
-          <a:noFill/>
-          <a:ln>
-            <a:noFill/>
-          </a:ln>
-          <a:extLst>
-            <a:ext uri="{53640926-AAD7-44D8-BBD7-CCE9431645EC}">
-              <a14:shadowObscured xmlns:a14="http://schemas.microsoft.com/office/drawing/2010/main"/>
-            </a:ext>
-          </a:extLst>
-        </p:spPr>
-      </p:pic>
-    </p:spTree>
-    <p:extLst>
-      <p:ext uri="{BB962C8B-B14F-4D97-AF65-F5344CB8AC3E}">
-        <p14:creationId xmlns:p14="http://schemas.microsoft.com/office/powerpoint/2010/main" val="2729898656"/>
-      </p:ext>
-    </p:extLst>
-  </p:cSld>
-  <p:clrMapOvr>
-    <a:masterClrMapping/>
-  </p:clrMapOvr>
-</p:sld>
-</file>
-
-<file path=ppt/slides/slide37.xml><?xml version="1.0" encoding="utf-8"?>
-<p:sld xmlns:a="http://schemas.openxmlformats.org/drawingml/2006/main" xmlns:r="http://schemas.openxmlformats.org/officeDocument/2006/relationships" xmlns:p="http://schemas.openxmlformats.org/presentationml/2006/main">
-  <p:cSld>
-    <p:spTree>
-      <p:nvGrpSpPr>
-        <p:cNvPr id="1" name=""/>
-        <p:cNvGrpSpPr/>
-        <p:nvPr/>
-      </p:nvGrpSpPr>
-      <p:grpSpPr>
-        <a:xfrm>
-          <a:off x="0" y="0"/>
-          <a:ext cx="0" cy="0"/>
-          <a:chOff x="0" y="0"/>
-          <a:chExt cx="0" cy="0"/>
-        </a:xfrm>
-      </p:grpSpPr>
-      <p:sp>
-        <p:nvSpPr>
-          <p:cNvPr id="2" name="標題 1">
-            <a:extLst>
-              <a:ext uri="{FF2B5EF4-FFF2-40B4-BE49-F238E27FC236}">
-                <a16:creationId xmlns:a16="http://schemas.microsoft.com/office/drawing/2014/main" id="{E27E75AE-633D-2BC3-04B1-ADBDAE4D1B82}"/>
-              </a:ext>
-            </a:extLst>
-          </p:cNvPr>
-          <p:cNvSpPr>
-            <a:spLocks noGrp="1"/>
-          </p:cNvSpPr>
-          <p:nvPr>
-            <p:ph type="title"/>
-          </p:nvPr>
-        </p:nvSpPr>
-        <p:spPr/>
-        <p:txBody>
-          <a:bodyPr/>
-          <a:lstStyle/>
-          <a:p>
-            <a:r>
-              <a:rPr lang="en-US" altLang="zh-TW" dirty="0"/>
-              <a:t>Dataflow Optimization</a:t>
-            </a:r>
-            <a:endParaRPr lang="zh-TW" altLang="en-US" dirty="0"/>
-          </a:p>
-        </p:txBody>
-      </p:sp>
-      <p:sp>
-        <p:nvSpPr>
-          <p:cNvPr id="7" name="內容版面配置區 6">
-            <a:extLst>
-              <a:ext uri="{FF2B5EF4-FFF2-40B4-BE49-F238E27FC236}">
-                <a16:creationId xmlns:a16="http://schemas.microsoft.com/office/drawing/2014/main" id="{43C04578-7418-4E98-6B83-514B05EACACE}"/>
-              </a:ext>
-            </a:extLst>
-          </p:cNvPr>
-          <p:cNvSpPr>
-            <a:spLocks noGrp="1"/>
-          </p:cNvSpPr>
-          <p:nvPr>
-            <p:ph sz="half" idx="2"/>
-          </p:nvPr>
-        </p:nvSpPr>
-        <p:spPr/>
-        <p:txBody>
-          <a:bodyPr anchor="ctr"/>
-          <a:lstStyle/>
-          <a:p>
-            <a:r>
-              <a:rPr lang="en-US" altLang="zh-TW" dirty="0"/>
-              <a:t>After running co-simulation, we can see the dataflow graph. From the graph, we can see that the three blocks, dct_2d, </a:t>
-            </a:r>
-            <a:r>
-              <a:rPr lang="en-US" altLang="zh-TW" dirty="0" err="1"/>
-              <a:t>read_data</a:t>
-            </a:r>
-            <a:r>
-              <a:rPr lang="en-US" altLang="zh-TW" dirty="0"/>
-              <a:t>, </a:t>
-            </a:r>
-            <a:r>
-              <a:rPr lang="en-US" altLang="zh-TW" dirty="0" err="1"/>
-              <a:t>write_data</a:t>
-            </a:r>
-            <a:r>
-              <a:rPr lang="en-US" altLang="zh-TW" dirty="0"/>
-              <a:t> are not running in parallel. </a:t>
-            </a:r>
-            <a:endParaRPr lang="zh-TW" altLang="en-US" dirty="0"/>
-          </a:p>
-        </p:txBody>
-      </p:sp>
-      <p:pic>
-        <p:nvPicPr>
-          <p:cNvPr id="6" name="內容版面配置區 5">
-            <a:extLst>
-              <a:ext uri="{FF2B5EF4-FFF2-40B4-BE49-F238E27FC236}">
-                <a16:creationId xmlns:a16="http://schemas.microsoft.com/office/drawing/2014/main" id="{B2EEA895-B6F0-FB67-B54D-C859B380E227}"/>
-              </a:ext>
-            </a:extLst>
-          </p:cNvPr>
-          <p:cNvPicPr>
-            <a:picLocks noGrp="1" noChangeAspect="1"/>
-          </p:cNvPicPr>
-          <p:nvPr>
-            <p:ph sz="half" idx="1"/>
-          </p:nvPr>
-        </p:nvPicPr>
-        <p:blipFill>
-          <a:blip r:embed="rId2"/>
-          <a:stretch>
-            <a:fillRect/>
-          </a:stretch>
-        </p:blipFill>
-        <p:spPr>
-          <a:xfrm>
-            <a:off x="1663850" y="2289655"/>
-            <a:ext cx="3863675" cy="3574090"/>
-          </a:xfrm>
-          <a:prstGeom prst="rect">
-            <a:avLst/>
-          </a:prstGeom>
-        </p:spPr>
-      </p:pic>
-    </p:spTree>
-    <p:extLst>
-      <p:ext uri="{BB962C8B-B14F-4D97-AF65-F5344CB8AC3E}">
-        <p14:creationId xmlns:p14="http://schemas.microsoft.com/office/powerpoint/2010/main" val="194327962"/>
+        <p14:creationId xmlns:p14="http://schemas.microsoft.com/office/powerpoint/2010/main" val="4142530483"/>
       </p:ext>
     </p:extLst>
   </p:cSld>
@@ -11926,10 +12092,10 @@
       </p:sp>
       <p:sp>
         <p:nvSpPr>
-          <p:cNvPr id="4" name="內容版面配置區 3">
-            <a:extLst>
-              <a:ext uri="{FF2B5EF4-FFF2-40B4-BE49-F238E27FC236}">
-                <a16:creationId xmlns:a16="http://schemas.microsoft.com/office/drawing/2014/main" id="{B6C581BC-B718-AF64-74E0-866CF8E915FA}"/>
+          <p:cNvPr id="7" name="內容版面配置區 6">
+            <a:extLst>
+              <a:ext uri="{FF2B5EF4-FFF2-40B4-BE49-F238E27FC236}">
+                <a16:creationId xmlns:a16="http://schemas.microsoft.com/office/drawing/2014/main" id="{43C04578-7418-4E98-6B83-514B05EACACE}"/>
               </a:ext>
             </a:extLst>
           </p:cNvPr>
@@ -11937,33 +12103,31 @@
             <a:spLocks noGrp="1"/>
           </p:cNvSpPr>
           <p:nvPr>
-            <p:ph sz="half" idx="1"/>
-          </p:nvPr>
-        </p:nvSpPr>
-        <p:spPr>
-          <a:xfrm>
-            <a:off x="1371600" y="2286000"/>
-            <a:ext cx="8502242" cy="398478"/>
-          </a:xfrm>
-        </p:spPr>
-        <p:txBody>
-          <a:bodyPr/>
+            <p:ph sz="half" idx="2"/>
+          </p:nvPr>
+        </p:nvSpPr>
+        <p:spPr/>
+        <p:txBody>
+          <a:bodyPr anchor="ctr"/>
           <a:lstStyle/>
           <a:p>
             <a:r>
               <a:rPr lang="en-US" altLang="zh-TW" dirty="0"/>
-              <a:t>From the process table below, we can see some information.</a:t>
-            </a:r>
+              <a:t>In the tutorial, we are asked to add pragma DATAFLOW to the directives. This pragma enables task-level pipelining. The HLS tool will analyze the dataflow between functions and see whether they can overlap or not. The comparison result is shown in the figure below.</a:t>
+            </a:r>
+            <a:endParaRPr lang="zh-TW" altLang="en-US" dirty="0"/>
+          </a:p>
+          <a:p>
             <a:endParaRPr lang="zh-TW" altLang="en-US" dirty="0"/>
           </a:p>
         </p:txBody>
       </p:sp>
       <p:pic>
         <p:nvPicPr>
-          <p:cNvPr id="5" name="內容版面配置區 4">
-            <a:extLst>
-              <a:ext uri="{FF2B5EF4-FFF2-40B4-BE49-F238E27FC236}">
-                <a16:creationId xmlns:a16="http://schemas.microsoft.com/office/drawing/2014/main" id="{820DCF85-7A1F-028D-5360-27C5183EFF81}"/>
+          <p:cNvPr id="8" name="內容版面配置區 7" descr="Synthesis Report">
+            <a:extLst>
+              <a:ext uri="{FF2B5EF4-FFF2-40B4-BE49-F238E27FC236}">
+                <a16:creationId xmlns:a16="http://schemas.microsoft.com/office/drawing/2014/main" id="{DE15F76A-6DD1-0698-9A79-149BFB62D098}"/>
               </a:ext>
             </a:extLst>
           </p:cNvPr>
@@ -11971,31 +12135,45 @@
             <a:picLocks noGrp="1" noChangeAspect="1"/>
           </p:cNvPicPr>
           <p:nvPr>
-            <p:ph sz="half" idx="2"/>
+            <p:ph sz="half" idx="1"/>
           </p:nvPr>
         </p:nvPicPr>
-        <p:blipFill>
-          <a:blip r:embed="rId2"/>
-          <a:stretch>
-            <a:fillRect/>
-          </a:stretch>
+        <p:blipFill rotWithShape="1">
+          <a:blip r:embed="rId2">
+            <a:extLst>
+              <a:ext uri="{28A0092B-C50C-407E-A947-70E740481C1C}">
+                <a14:useLocalDpi xmlns:a14="http://schemas.microsoft.com/office/drawing/2010/main" val="0"/>
+              </a:ext>
+            </a:extLst>
+          </a:blip>
+          <a:srcRect b="28303"/>
+          <a:stretch/>
         </p:blipFill>
-        <p:spPr>
+        <p:spPr bwMode="auto">
           <a:xfrm>
-            <a:off x="1610687" y="3026353"/>
-            <a:ext cx="9211112" cy="1684646"/>
+            <a:off x="1863668" y="2074178"/>
+            <a:ext cx="3733351" cy="4098022"/>
           </a:xfrm>
           <a:prstGeom prst="rect">
             <a:avLst/>
           </a:prstGeom>
+          <a:noFill/>
+          <a:ln>
+            <a:noFill/>
+          </a:ln>
+          <a:extLst>
+            <a:ext uri="{53640926-AAD7-44D8-BBD7-CCE9431645EC}">
+              <a14:shadowObscured xmlns:a14="http://schemas.microsoft.com/office/drawing/2010/main"/>
+            </a:ext>
+          </a:extLst>
         </p:spPr>
       </p:pic>
       <p:pic>
         <p:nvPicPr>
-          <p:cNvPr id="8" name="圖片 7">
-            <a:extLst>
-              <a:ext uri="{FF2B5EF4-FFF2-40B4-BE49-F238E27FC236}">
-                <a16:creationId xmlns:a16="http://schemas.microsoft.com/office/drawing/2014/main" id="{EBA304DF-6229-D72F-8AE9-1B8405D2423B}"/>
+          <p:cNvPr id="4" name="圖片 3">
+            <a:extLst>
+              <a:ext uri="{FF2B5EF4-FFF2-40B4-BE49-F238E27FC236}">
+                <a16:creationId xmlns:a16="http://schemas.microsoft.com/office/drawing/2014/main" id="{6B8395E8-6471-72FE-6BBA-B4157EF790E9}"/>
               </a:ext>
             </a:extLst>
           </p:cNvPr>
@@ -12012,8 +12190,8 @@
         </p:blipFill>
         <p:spPr>
           <a:xfrm>
-            <a:off x="1610687" y="4929292"/>
-            <a:ext cx="9211112" cy="1586937"/>
+            <a:off x="7266828" y="74064"/>
+            <a:ext cx="4831499" cy="2324301"/>
           </a:xfrm>
           <a:prstGeom prst="rect">
             <a:avLst/>
@@ -12023,7 +12201,7 @@
     </p:spTree>
     <p:extLst>
       <p:ext uri="{BB962C8B-B14F-4D97-AF65-F5344CB8AC3E}">
-        <p14:creationId xmlns:p14="http://schemas.microsoft.com/office/powerpoint/2010/main" val="2243682186"/>
+        <p14:creationId xmlns:p14="http://schemas.microsoft.com/office/powerpoint/2010/main" val="2729898656"/>
       </p:ext>
     </p:extLst>
   </p:cSld>
@@ -12081,10 +12259,10 @@
       </p:sp>
       <p:sp>
         <p:nvSpPr>
-          <p:cNvPr id="4" name="內容版面配置區 3">
-            <a:extLst>
-              <a:ext uri="{FF2B5EF4-FFF2-40B4-BE49-F238E27FC236}">
-                <a16:creationId xmlns:a16="http://schemas.microsoft.com/office/drawing/2014/main" id="{B6C581BC-B718-AF64-74E0-866CF8E915FA}"/>
+          <p:cNvPr id="7" name="內容版面配置區 6">
+            <a:extLst>
+              <a:ext uri="{FF2B5EF4-FFF2-40B4-BE49-F238E27FC236}">
+                <a16:creationId xmlns:a16="http://schemas.microsoft.com/office/drawing/2014/main" id="{43C04578-7418-4E98-6B83-514B05EACACE}"/>
               </a:ext>
             </a:extLst>
           </p:cNvPr>
@@ -12092,24 +12270,17 @@
             <a:spLocks noGrp="1"/>
           </p:cNvSpPr>
           <p:nvPr>
-            <p:ph sz="half" idx="1"/>
-          </p:nvPr>
-        </p:nvSpPr>
-        <p:spPr>
-          <a:xfrm>
-            <a:off x="1371600" y="2286000"/>
-            <a:ext cx="8502242" cy="398478"/>
-          </a:xfrm>
-        </p:spPr>
-        <p:txBody>
-          <a:bodyPr>
-            <a:normAutofit fontScale="92500"/>
-          </a:bodyPr>
+            <p:ph sz="half" idx="2"/>
+          </p:nvPr>
+        </p:nvSpPr>
+        <p:spPr/>
+        <p:txBody>
+          <a:bodyPr anchor="ctr"/>
           <a:lstStyle/>
           <a:p>
             <a:r>
               <a:rPr lang="en-US" altLang="zh-TW" dirty="0"/>
-              <a:t>From the channel table below, we can see the channel type and the bit width.</a:t>
+              <a:t>After running co-simulation, we can see the dataflow graph on the left and the process table in the next page, we can see some information about II and latency.</a:t>
             </a:r>
             <a:endParaRPr lang="zh-TW" altLang="en-US" dirty="0"/>
           </a:p>
@@ -12117,10 +12288,10 @@
       </p:sp>
       <p:pic>
         <p:nvPicPr>
-          <p:cNvPr id="7" name="內容版面配置區 6">
-            <a:extLst>
-              <a:ext uri="{FF2B5EF4-FFF2-40B4-BE49-F238E27FC236}">
-                <a16:creationId xmlns:a16="http://schemas.microsoft.com/office/drawing/2014/main" id="{A6DCF7FA-A931-4085-9CC2-E8247B4CB0B7}"/>
+          <p:cNvPr id="6" name="內容版面配置區 5">
+            <a:extLst>
+              <a:ext uri="{FF2B5EF4-FFF2-40B4-BE49-F238E27FC236}">
+                <a16:creationId xmlns:a16="http://schemas.microsoft.com/office/drawing/2014/main" id="{B2EEA895-B6F0-FB67-B54D-C859B380E227}"/>
               </a:ext>
             </a:extLst>
           </p:cNvPr>
@@ -12128,7 +12299,7 @@
             <a:picLocks noGrp="1" noChangeAspect="1"/>
           </p:cNvPicPr>
           <p:nvPr>
-            <p:ph sz="half" idx="2"/>
+            <p:ph sz="half" idx="1"/>
           </p:nvPr>
         </p:nvPicPr>
         <p:blipFill>
@@ -12139,8 +12310,8 @@
         </p:blipFill>
         <p:spPr>
           <a:xfrm>
-            <a:off x="1777767" y="2998947"/>
-            <a:ext cx="9598747" cy="2479064"/>
+            <a:off x="1663850" y="2289655"/>
+            <a:ext cx="3863675" cy="3574090"/>
           </a:xfrm>
           <a:prstGeom prst="rect">
             <a:avLst/>
@@ -12150,7 +12321,7 @@
     </p:spTree>
     <p:extLst>
       <p:ext uri="{BB962C8B-B14F-4D97-AF65-F5344CB8AC3E}">
-        <p14:creationId xmlns:p14="http://schemas.microsoft.com/office/powerpoint/2010/main" val="2069408182"/>
+        <p14:creationId xmlns:p14="http://schemas.microsoft.com/office/powerpoint/2010/main" val="194327962"/>
       </p:ext>
     </p:extLst>
   </p:cSld>
@@ -13123,6 +13294,415 @@
       </p:sp>
       <p:sp>
         <p:nvSpPr>
+          <p:cNvPr id="4" name="內容版面配置區 3">
+            <a:extLst>
+              <a:ext uri="{FF2B5EF4-FFF2-40B4-BE49-F238E27FC236}">
+                <a16:creationId xmlns:a16="http://schemas.microsoft.com/office/drawing/2014/main" id="{B6C581BC-B718-AF64-74E0-866CF8E915FA}"/>
+              </a:ext>
+            </a:extLst>
+          </p:cNvPr>
+          <p:cNvSpPr>
+            <a:spLocks noGrp="1"/>
+          </p:cNvSpPr>
+          <p:nvPr>
+            <p:ph sz="half" idx="1"/>
+          </p:nvPr>
+        </p:nvSpPr>
+        <p:spPr>
+          <a:xfrm>
+            <a:off x="1371600" y="2286000"/>
+            <a:ext cx="8502242" cy="398478"/>
+          </a:xfrm>
+        </p:spPr>
+        <p:txBody>
+          <a:bodyPr/>
+          <a:lstStyle/>
+          <a:p>
+            <a:r>
+              <a:rPr lang="en-US" altLang="zh-TW" dirty="0"/>
+              <a:t>From the process table below, we can see some information.</a:t>
+            </a:r>
+            <a:endParaRPr lang="zh-TW" altLang="en-US" dirty="0"/>
+          </a:p>
+        </p:txBody>
+      </p:sp>
+      <p:pic>
+        <p:nvPicPr>
+          <p:cNvPr id="5" name="內容版面配置區 4">
+            <a:extLst>
+              <a:ext uri="{FF2B5EF4-FFF2-40B4-BE49-F238E27FC236}">
+                <a16:creationId xmlns:a16="http://schemas.microsoft.com/office/drawing/2014/main" id="{820DCF85-7A1F-028D-5360-27C5183EFF81}"/>
+              </a:ext>
+            </a:extLst>
+          </p:cNvPr>
+          <p:cNvPicPr>
+            <a:picLocks noGrp="1" noChangeAspect="1"/>
+          </p:cNvPicPr>
+          <p:nvPr>
+            <p:ph sz="half" idx="2"/>
+          </p:nvPr>
+        </p:nvPicPr>
+        <p:blipFill>
+          <a:blip r:embed="rId2"/>
+          <a:stretch>
+            <a:fillRect/>
+          </a:stretch>
+        </p:blipFill>
+        <p:spPr>
+          <a:xfrm>
+            <a:off x="1610687" y="3026353"/>
+            <a:ext cx="9211112" cy="1684646"/>
+          </a:xfrm>
+          <a:prstGeom prst="rect">
+            <a:avLst/>
+          </a:prstGeom>
+        </p:spPr>
+      </p:pic>
+      <p:pic>
+        <p:nvPicPr>
+          <p:cNvPr id="8" name="圖片 7">
+            <a:extLst>
+              <a:ext uri="{FF2B5EF4-FFF2-40B4-BE49-F238E27FC236}">
+                <a16:creationId xmlns:a16="http://schemas.microsoft.com/office/drawing/2014/main" id="{EBA304DF-6229-D72F-8AE9-1B8405D2423B}"/>
+              </a:ext>
+            </a:extLst>
+          </p:cNvPr>
+          <p:cNvPicPr>
+            <a:picLocks noChangeAspect="1"/>
+          </p:cNvPicPr>
+          <p:nvPr/>
+        </p:nvPicPr>
+        <p:blipFill>
+          <a:blip r:embed="rId3"/>
+          <a:stretch>
+            <a:fillRect/>
+          </a:stretch>
+        </p:blipFill>
+        <p:spPr>
+          <a:xfrm>
+            <a:off x="1610687" y="4929292"/>
+            <a:ext cx="9211112" cy="1586937"/>
+          </a:xfrm>
+          <a:prstGeom prst="rect">
+            <a:avLst/>
+          </a:prstGeom>
+        </p:spPr>
+      </p:pic>
+    </p:spTree>
+    <p:extLst>
+      <p:ext uri="{BB962C8B-B14F-4D97-AF65-F5344CB8AC3E}">
+        <p14:creationId xmlns:p14="http://schemas.microsoft.com/office/powerpoint/2010/main" val="2243682186"/>
+      </p:ext>
+    </p:extLst>
+  </p:cSld>
+  <p:clrMapOvr>
+    <a:masterClrMapping/>
+  </p:clrMapOvr>
+</p:sld>
+</file>
+
+<file path=ppt/slides/slide41.xml><?xml version="1.0" encoding="utf-8"?>
+<p:sld xmlns:a="http://schemas.openxmlformats.org/drawingml/2006/main" xmlns:r="http://schemas.openxmlformats.org/officeDocument/2006/relationships" xmlns:p="http://schemas.openxmlformats.org/presentationml/2006/main">
+  <p:cSld>
+    <p:spTree>
+      <p:nvGrpSpPr>
+        <p:cNvPr id="1" name=""/>
+        <p:cNvGrpSpPr/>
+        <p:nvPr/>
+      </p:nvGrpSpPr>
+      <p:grpSpPr>
+        <a:xfrm>
+          <a:off x="0" y="0"/>
+          <a:ext cx="0" cy="0"/>
+          <a:chOff x="0" y="0"/>
+          <a:chExt cx="0" cy="0"/>
+        </a:xfrm>
+      </p:grpSpPr>
+      <p:sp>
+        <p:nvSpPr>
+          <p:cNvPr id="2" name="標題 1">
+            <a:extLst>
+              <a:ext uri="{FF2B5EF4-FFF2-40B4-BE49-F238E27FC236}">
+                <a16:creationId xmlns:a16="http://schemas.microsoft.com/office/drawing/2014/main" id="{E27E75AE-633D-2BC3-04B1-ADBDAE4D1B82}"/>
+              </a:ext>
+            </a:extLst>
+          </p:cNvPr>
+          <p:cNvSpPr>
+            <a:spLocks noGrp="1"/>
+          </p:cNvSpPr>
+          <p:nvPr>
+            <p:ph type="title"/>
+          </p:nvPr>
+        </p:nvSpPr>
+        <p:spPr/>
+        <p:txBody>
+          <a:bodyPr/>
+          <a:lstStyle/>
+          <a:p>
+            <a:r>
+              <a:rPr lang="en-US" altLang="zh-TW" dirty="0"/>
+              <a:t>Dataflow Optimization</a:t>
+            </a:r>
+            <a:endParaRPr lang="zh-TW" altLang="en-US" dirty="0"/>
+          </a:p>
+        </p:txBody>
+      </p:sp>
+      <p:sp>
+        <p:nvSpPr>
+          <p:cNvPr id="4" name="內容版面配置區 3">
+            <a:extLst>
+              <a:ext uri="{FF2B5EF4-FFF2-40B4-BE49-F238E27FC236}">
+                <a16:creationId xmlns:a16="http://schemas.microsoft.com/office/drawing/2014/main" id="{B6C581BC-B718-AF64-74E0-866CF8E915FA}"/>
+              </a:ext>
+            </a:extLst>
+          </p:cNvPr>
+          <p:cNvSpPr>
+            <a:spLocks noGrp="1"/>
+          </p:cNvSpPr>
+          <p:nvPr>
+            <p:ph sz="half" idx="1"/>
+          </p:nvPr>
+        </p:nvSpPr>
+        <p:spPr>
+          <a:xfrm>
+            <a:off x="1371600" y="2286000"/>
+            <a:ext cx="8502242" cy="398478"/>
+          </a:xfrm>
+        </p:spPr>
+        <p:txBody>
+          <a:bodyPr>
+            <a:normAutofit fontScale="92500"/>
+          </a:bodyPr>
+          <a:lstStyle/>
+          <a:p>
+            <a:r>
+              <a:rPr lang="en-US" altLang="zh-TW" dirty="0"/>
+              <a:t>From the channel table below, we can see the channel type and the bit width.</a:t>
+            </a:r>
+            <a:endParaRPr lang="zh-TW" altLang="en-US" dirty="0"/>
+          </a:p>
+        </p:txBody>
+      </p:sp>
+      <p:pic>
+        <p:nvPicPr>
+          <p:cNvPr id="7" name="內容版面配置區 6">
+            <a:extLst>
+              <a:ext uri="{FF2B5EF4-FFF2-40B4-BE49-F238E27FC236}">
+                <a16:creationId xmlns:a16="http://schemas.microsoft.com/office/drawing/2014/main" id="{A6DCF7FA-A931-4085-9CC2-E8247B4CB0B7}"/>
+              </a:ext>
+            </a:extLst>
+          </p:cNvPr>
+          <p:cNvPicPr>
+            <a:picLocks noGrp="1" noChangeAspect="1"/>
+          </p:cNvPicPr>
+          <p:nvPr>
+            <p:ph sz="half" idx="2"/>
+          </p:nvPr>
+        </p:nvPicPr>
+        <p:blipFill>
+          <a:blip r:embed="rId2"/>
+          <a:stretch>
+            <a:fillRect/>
+          </a:stretch>
+        </p:blipFill>
+        <p:spPr>
+          <a:xfrm>
+            <a:off x="1777767" y="2998947"/>
+            <a:ext cx="9598747" cy="2479064"/>
+          </a:xfrm>
+          <a:prstGeom prst="rect">
+            <a:avLst/>
+          </a:prstGeom>
+        </p:spPr>
+      </p:pic>
+    </p:spTree>
+    <p:extLst>
+      <p:ext uri="{BB962C8B-B14F-4D97-AF65-F5344CB8AC3E}">
+        <p14:creationId xmlns:p14="http://schemas.microsoft.com/office/powerpoint/2010/main" val="2069408182"/>
+      </p:ext>
+    </p:extLst>
+  </p:cSld>
+  <p:clrMapOvr>
+    <a:masterClrMapping/>
+  </p:clrMapOvr>
+</p:sld>
+</file>
+
+<file path=ppt/slides/slide42.xml><?xml version="1.0" encoding="utf-8"?>
+<p:sld xmlns:a="http://schemas.openxmlformats.org/drawingml/2006/main" xmlns:r="http://schemas.openxmlformats.org/officeDocument/2006/relationships" xmlns:p="http://schemas.openxmlformats.org/presentationml/2006/main">
+  <p:cSld>
+    <p:spTree>
+      <p:nvGrpSpPr>
+        <p:cNvPr id="1" name=""/>
+        <p:cNvGrpSpPr/>
+        <p:nvPr/>
+      </p:nvGrpSpPr>
+      <p:grpSpPr>
+        <a:xfrm>
+          <a:off x="0" y="0"/>
+          <a:ext cx="0" cy="0"/>
+          <a:chOff x="0" y="0"/>
+          <a:chExt cx="0" cy="0"/>
+        </a:xfrm>
+      </p:grpSpPr>
+      <p:sp>
+        <p:nvSpPr>
+          <p:cNvPr id="2" name="標題 1">
+            <a:extLst>
+              <a:ext uri="{FF2B5EF4-FFF2-40B4-BE49-F238E27FC236}">
+                <a16:creationId xmlns:a16="http://schemas.microsoft.com/office/drawing/2014/main" id="{E27E75AE-633D-2BC3-04B1-ADBDAE4D1B82}"/>
+              </a:ext>
+            </a:extLst>
+          </p:cNvPr>
+          <p:cNvSpPr>
+            <a:spLocks noGrp="1"/>
+          </p:cNvSpPr>
+          <p:nvPr>
+            <p:ph type="title"/>
+          </p:nvPr>
+        </p:nvSpPr>
+        <p:spPr/>
+        <p:txBody>
+          <a:bodyPr/>
+          <a:lstStyle/>
+          <a:p>
+            <a:r>
+              <a:rPr lang="en-US" altLang="zh-TW" dirty="0"/>
+              <a:t>Dataflow Optimization</a:t>
+            </a:r>
+            <a:endParaRPr lang="zh-TW" altLang="en-US" dirty="0"/>
+          </a:p>
+        </p:txBody>
+      </p:sp>
+      <p:sp>
+        <p:nvSpPr>
+          <p:cNvPr id="4" name="內容版面配置區 3">
+            <a:extLst>
+              <a:ext uri="{FF2B5EF4-FFF2-40B4-BE49-F238E27FC236}">
+                <a16:creationId xmlns:a16="http://schemas.microsoft.com/office/drawing/2014/main" id="{B6C581BC-B718-AF64-74E0-866CF8E915FA}"/>
+              </a:ext>
+            </a:extLst>
+          </p:cNvPr>
+          <p:cNvSpPr>
+            <a:spLocks noGrp="1"/>
+          </p:cNvSpPr>
+          <p:nvPr>
+            <p:ph sz="half" idx="1"/>
+          </p:nvPr>
+        </p:nvSpPr>
+        <p:spPr>
+          <a:xfrm>
+            <a:off x="1371600" y="2285999"/>
+            <a:ext cx="10004914" cy="1220681"/>
+          </a:xfrm>
+        </p:spPr>
+        <p:txBody>
+          <a:bodyPr>
+            <a:normAutofit/>
+          </a:bodyPr>
+          <a:lstStyle/>
+          <a:p>
+            <a:r>
+              <a:rPr lang="en-US" altLang="zh-TW" dirty="0"/>
+              <a:t>We can also take a look at the timeline trace. We can see that the 3 functions do not execute in parallel.</a:t>
+            </a:r>
+            <a:endParaRPr lang="zh-TW" altLang="en-US" dirty="0"/>
+          </a:p>
+        </p:txBody>
+      </p:sp>
+      <p:pic>
+        <p:nvPicPr>
+          <p:cNvPr id="6" name="內容版面配置區 5">
+            <a:extLst>
+              <a:ext uri="{FF2B5EF4-FFF2-40B4-BE49-F238E27FC236}">
+                <a16:creationId xmlns:a16="http://schemas.microsoft.com/office/drawing/2014/main" id="{AC7432A4-158A-3B4E-EF5C-A6C12B6A0202}"/>
+              </a:ext>
+            </a:extLst>
+          </p:cNvPr>
+          <p:cNvPicPr>
+            <a:picLocks noGrp="1" noChangeAspect="1"/>
+          </p:cNvPicPr>
+          <p:nvPr>
+            <p:ph sz="half" idx="2"/>
+          </p:nvPr>
+        </p:nvPicPr>
+        <p:blipFill>
+          <a:blip r:embed="rId2"/>
+          <a:stretch>
+            <a:fillRect/>
+          </a:stretch>
+        </p:blipFill>
+        <p:spPr>
+          <a:xfrm>
+            <a:off x="1371600" y="3506680"/>
+            <a:ext cx="9711332" cy="1897541"/>
+          </a:xfrm>
+          <a:prstGeom prst="rect">
+            <a:avLst/>
+          </a:prstGeom>
+        </p:spPr>
+      </p:pic>
+    </p:spTree>
+    <p:extLst>
+      <p:ext uri="{BB962C8B-B14F-4D97-AF65-F5344CB8AC3E}">
+        <p14:creationId xmlns:p14="http://schemas.microsoft.com/office/powerpoint/2010/main" val="2313885629"/>
+      </p:ext>
+    </p:extLst>
+  </p:cSld>
+  <p:clrMapOvr>
+    <a:masterClrMapping/>
+  </p:clrMapOvr>
+</p:sld>
+</file>
+
+<file path=ppt/slides/slide43.xml><?xml version="1.0" encoding="utf-8"?>
+<p:sld xmlns:a="http://schemas.openxmlformats.org/drawingml/2006/main" xmlns:r="http://schemas.openxmlformats.org/officeDocument/2006/relationships" xmlns:p="http://schemas.openxmlformats.org/presentationml/2006/main">
+  <p:cSld>
+    <p:spTree>
+      <p:nvGrpSpPr>
+        <p:cNvPr id="1" name=""/>
+        <p:cNvGrpSpPr/>
+        <p:nvPr/>
+      </p:nvGrpSpPr>
+      <p:grpSpPr>
+        <a:xfrm>
+          <a:off x="0" y="0"/>
+          <a:ext cx="0" cy="0"/>
+          <a:chOff x="0" y="0"/>
+          <a:chExt cx="0" cy="0"/>
+        </a:xfrm>
+      </p:grpSpPr>
+      <p:sp>
+        <p:nvSpPr>
+          <p:cNvPr id="2" name="標題 1">
+            <a:extLst>
+              <a:ext uri="{FF2B5EF4-FFF2-40B4-BE49-F238E27FC236}">
+                <a16:creationId xmlns:a16="http://schemas.microsoft.com/office/drawing/2014/main" id="{E27E75AE-633D-2BC3-04B1-ADBDAE4D1B82}"/>
+              </a:ext>
+            </a:extLst>
+          </p:cNvPr>
+          <p:cNvSpPr>
+            <a:spLocks noGrp="1"/>
+          </p:cNvSpPr>
+          <p:nvPr>
+            <p:ph type="title"/>
+          </p:nvPr>
+        </p:nvSpPr>
+        <p:spPr/>
+        <p:txBody>
+          <a:bodyPr/>
+          <a:lstStyle/>
+          <a:p>
+            <a:r>
+              <a:rPr lang="en-US" altLang="zh-TW" dirty="0"/>
+              <a:t>Dataflow Optimization</a:t>
+            </a:r>
+            <a:endParaRPr lang="zh-TW" altLang="en-US" dirty="0"/>
+          </a:p>
+        </p:txBody>
+      </p:sp>
+      <p:sp>
+        <p:nvSpPr>
           <p:cNvPr id="6" name="內容版面配置區 5">
             <a:extLst>
               <a:ext uri="{FF2B5EF4-FFF2-40B4-BE49-F238E27FC236}">
@@ -13204,7 +13784,7 @@
 </p:sld>
 </file>
 
-<file path=ppt/slides/slide41.xml><?xml version="1.0" encoding="utf-8"?>
+<file path=ppt/slides/slide44.xml><?xml version="1.0" encoding="utf-8"?>
 <p:sld xmlns:a="http://schemas.openxmlformats.org/drawingml/2006/main" xmlns:r="http://schemas.openxmlformats.org/officeDocument/2006/relationships" xmlns:p="http://schemas.openxmlformats.org/presentationml/2006/main">
   <p:cSld>
     <p:spTree>
@@ -13223,10 +13803,10 @@
       </p:grpSpPr>
       <p:sp>
         <p:nvSpPr>
-          <p:cNvPr id="2" name="標題 1">
-            <a:extLst>
-              <a:ext uri="{FF2B5EF4-FFF2-40B4-BE49-F238E27FC236}">
-                <a16:creationId xmlns:a16="http://schemas.microsoft.com/office/drawing/2014/main" id="{C37C763E-7246-D873-4C62-ED27E331FF84}"/>
+          <p:cNvPr id="4" name="標題 3">
+            <a:extLst>
+              <a:ext uri="{FF2B5EF4-FFF2-40B4-BE49-F238E27FC236}">
+                <a16:creationId xmlns:a16="http://schemas.microsoft.com/office/drawing/2014/main" id="{983307EE-69ED-B464-9C8F-AE435B805D42}"/>
               </a:ext>
             </a:extLst>
           </p:cNvPr>
@@ -13239,25 +13819,23 @@
         </p:nvSpPr>
         <p:spPr/>
         <p:txBody>
-          <a:bodyPr>
-            <a:normAutofit/>
-          </a:bodyPr>
+          <a:bodyPr/>
           <a:lstStyle/>
           <a:p>
             <a:r>
-              <a:rPr lang="en-US" altLang="zh-TW" cap="none" dirty="0"/>
-              <a:t>Explain What You Observed and Learned</a:t>
-            </a:r>
-            <a:endParaRPr lang="zh-TW" altLang="en-US" cap="none" dirty="0"/>
-          </a:p>
-        </p:txBody>
-      </p:sp>
-      <p:sp>
-        <p:nvSpPr>
-          <p:cNvPr id="3" name="文字版面配置區 2">
-            <a:extLst>
-              <a:ext uri="{FF2B5EF4-FFF2-40B4-BE49-F238E27FC236}">
-                <a16:creationId xmlns:a16="http://schemas.microsoft.com/office/drawing/2014/main" id="{DE83B45A-ABF5-8175-157F-2E1FFB817DB6}"/>
+              <a:rPr lang="en-US" altLang="zh-TW" dirty="0"/>
+              <a:t>Dataflow Optimization</a:t>
+            </a:r>
+            <a:endParaRPr lang="zh-TW" altLang="en-US" dirty="0"/>
+          </a:p>
+        </p:txBody>
+      </p:sp>
+      <p:sp>
+        <p:nvSpPr>
+          <p:cNvPr id="6" name="內容版面配置區 5">
+            <a:extLst>
+              <a:ext uri="{FF2B5EF4-FFF2-40B4-BE49-F238E27FC236}">
+                <a16:creationId xmlns:a16="http://schemas.microsoft.com/office/drawing/2014/main" id="{1F2F90CC-4669-D25B-9138-6284190EB2F8}"/>
               </a:ext>
             </a:extLst>
           </p:cNvPr>
@@ -13265,22 +13843,215 @@
             <a:spLocks noGrp="1"/>
           </p:cNvSpPr>
           <p:nvPr>
-            <p:ph type="body" idx="1"/>
-          </p:nvPr>
-        </p:nvSpPr>
-        <p:spPr/>
+            <p:ph sz="half" idx="2"/>
+          </p:nvPr>
+        </p:nvSpPr>
+        <p:spPr>
+          <a:xfrm>
+            <a:off x="1404961" y="2171700"/>
+            <a:ext cx="9534477" cy="952151"/>
+          </a:xfrm>
+        </p:spPr>
         <p:txBody>
           <a:bodyPr/>
           <a:lstStyle/>
           <a:p>
-            <a:endParaRPr lang="zh-TW" altLang="en-US"/>
-          </a:p>
-        </p:txBody>
-      </p:sp>
+            <a:r>
+              <a:rPr lang="en-US" altLang="zh-TW" dirty="0"/>
+              <a:t>Again, take a look at the memory utilization, and we can see that it consumes much more resources.</a:t>
+            </a:r>
+            <a:endParaRPr lang="zh-TW" altLang="en-US" dirty="0"/>
+          </a:p>
+        </p:txBody>
+      </p:sp>
+      <p:graphicFrame>
+        <p:nvGraphicFramePr>
+          <p:cNvPr id="9" name="表格 9">
+            <a:extLst>
+              <a:ext uri="{FF2B5EF4-FFF2-40B4-BE49-F238E27FC236}">
+                <a16:creationId xmlns:a16="http://schemas.microsoft.com/office/drawing/2014/main" id="{A6519D90-2F45-9243-A85E-D41798B6E4EB}"/>
+              </a:ext>
+            </a:extLst>
+          </p:cNvPr>
+          <p:cNvGraphicFramePr>
+            <a:graphicFrameLocks noGrp="1"/>
+          </p:cNvGraphicFramePr>
+          <p:nvPr>
+            <p:ph sz="half" idx="1"/>
+          </p:nvPr>
+        </p:nvGraphicFramePr>
+        <p:xfrm>
+          <a:off x="1895211" y="2948730"/>
+          <a:ext cx="8632972" cy="3837964"/>
+        </p:xfrm>
+        <a:graphic>
+          <a:graphicData uri="http://schemas.openxmlformats.org/drawingml/2006/table">
+            <a:tbl>
+              <a:tblPr firstRow="1" bandRow="1">
+                <a:tableStyleId>{5C22544A-7EE6-4342-B048-85BDC9FD1C3A}</a:tableStyleId>
+              </a:tblPr>
+              <a:tblGrid>
+                <a:gridCol w="4237141">
+                  <a:extLst>
+                    <a:ext uri="{9D8B030D-6E8A-4147-A177-3AD203B41FA5}">
+                      <a16:colId xmlns:a16="http://schemas.microsoft.com/office/drawing/2014/main" val="708585779"/>
+                    </a:ext>
+                  </a:extLst>
+                </a:gridCol>
+                <a:gridCol w="4395831">
+                  <a:extLst>
+                    <a:ext uri="{9D8B030D-6E8A-4147-A177-3AD203B41FA5}">
+                      <a16:colId xmlns:a16="http://schemas.microsoft.com/office/drawing/2014/main" val="3393665702"/>
+                    </a:ext>
+                  </a:extLst>
+                </a:gridCol>
+              </a:tblGrid>
+              <a:tr h="441516">
+                <a:tc>
+                  <a:txBody>
+                    <a:bodyPr/>
+                    <a:lstStyle/>
+                    <a:p>
+                      <a:r>
+                        <a:rPr lang="en-US" altLang="zh-TW" sz="1800" b="1" kern="1200" dirty="0">
+                          <a:solidFill>
+                            <a:schemeClr val="lt1"/>
+                          </a:solidFill>
+                          <a:effectLst/>
+                          <a:latin typeface="+mn-lt"/>
+                          <a:ea typeface="+mn-ea"/>
+                          <a:cs typeface="+mn-cs"/>
+                        </a:rPr>
+                        <a:t>Original method</a:t>
+                      </a:r>
+                      <a:endParaRPr lang="zh-TW" altLang="en-US" dirty="0"/>
+                    </a:p>
+                  </a:txBody>
+                  <a:tcPr/>
+                </a:tc>
+                <a:tc>
+                  <a:txBody>
+                    <a:bodyPr/>
+                    <a:lstStyle/>
+                    <a:p>
+                      <a:r>
+                        <a:rPr lang="en-US" altLang="zh-TW" sz="1800" b="1" kern="1200" dirty="0">
+                          <a:solidFill>
+                            <a:schemeClr val="lt1"/>
+                          </a:solidFill>
+                          <a:effectLst/>
+                          <a:latin typeface="+mn-lt"/>
+                          <a:ea typeface="+mn-ea"/>
+                          <a:cs typeface="+mn-cs"/>
+                        </a:rPr>
+                        <a:t>This optimization method</a:t>
+                      </a:r>
+                      <a:endParaRPr lang="zh-TW" altLang="en-US" dirty="0"/>
+                    </a:p>
+                  </a:txBody>
+                  <a:tcPr/>
+                </a:tc>
+                <a:extLst>
+                  <a:ext uri="{0D108BD9-81ED-4DB2-BD59-A6C34878D82A}">
+                    <a16:rowId xmlns:a16="http://schemas.microsoft.com/office/drawing/2014/main" val="284944319"/>
+                  </a:ext>
+                </a:extLst>
+              </a:tr>
+              <a:tr h="3396448">
+                <a:tc>
+                  <a:txBody>
+                    <a:bodyPr/>
+                    <a:lstStyle/>
+                    <a:p>
+                      <a:endParaRPr lang="zh-TW" altLang="en-US" dirty="0"/>
+                    </a:p>
+                  </a:txBody>
+                  <a:tcPr/>
+                </a:tc>
+                <a:tc>
+                  <a:txBody>
+                    <a:bodyPr/>
+                    <a:lstStyle/>
+                    <a:p>
+                      <a:endParaRPr lang="zh-TW" altLang="en-US" dirty="0"/>
+                    </a:p>
+                  </a:txBody>
+                  <a:tcPr/>
+                </a:tc>
+                <a:extLst>
+                  <a:ext uri="{0D108BD9-81ED-4DB2-BD59-A6C34878D82A}">
+                    <a16:rowId xmlns:a16="http://schemas.microsoft.com/office/drawing/2014/main" val="3025402512"/>
+                  </a:ext>
+                </a:extLst>
+              </a:tr>
+            </a:tbl>
+          </a:graphicData>
+        </a:graphic>
+      </p:graphicFrame>
+      <p:pic>
+        <p:nvPicPr>
+          <p:cNvPr id="3" name="圖片 2">
+            <a:extLst>
+              <a:ext uri="{FF2B5EF4-FFF2-40B4-BE49-F238E27FC236}">
+                <a16:creationId xmlns:a16="http://schemas.microsoft.com/office/drawing/2014/main" id="{12F11ACF-A9AB-E999-1E4E-30EE38DC67F4}"/>
+              </a:ext>
+            </a:extLst>
+          </p:cNvPr>
+          <p:cNvPicPr>
+            <a:picLocks noChangeAspect="1"/>
+          </p:cNvPicPr>
+          <p:nvPr/>
+        </p:nvPicPr>
+        <p:blipFill>
+          <a:blip r:embed="rId2"/>
+          <a:stretch>
+            <a:fillRect/>
+          </a:stretch>
+        </p:blipFill>
+        <p:spPr>
+          <a:xfrm>
+            <a:off x="2040122" y="3553697"/>
+            <a:ext cx="3951639" cy="2986517"/>
+          </a:xfrm>
+          <a:prstGeom prst="rect">
+            <a:avLst/>
+          </a:prstGeom>
+        </p:spPr>
+      </p:pic>
+      <p:pic>
+        <p:nvPicPr>
+          <p:cNvPr id="5" name="圖片 4">
+            <a:extLst>
+              <a:ext uri="{FF2B5EF4-FFF2-40B4-BE49-F238E27FC236}">
+                <a16:creationId xmlns:a16="http://schemas.microsoft.com/office/drawing/2014/main" id="{6B7AF3BA-3F79-92F5-4315-EABD52D6175A}"/>
+              </a:ext>
+            </a:extLst>
+          </p:cNvPr>
+          <p:cNvPicPr>
+            <a:picLocks noChangeAspect="1"/>
+          </p:cNvPicPr>
+          <p:nvPr/>
+        </p:nvPicPr>
+        <p:blipFill>
+          <a:blip r:embed="rId3"/>
+          <a:stretch>
+            <a:fillRect/>
+          </a:stretch>
+        </p:blipFill>
+        <p:spPr>
+          <a:xfrm>
+            <a:off x="6278832" y="3491553"/>
+            <a:ext cx="4017957" cy="3136950"/>
+          </a:xfrm>
+          <a:prstGeom prst="rect">
+            <a:avLst/>
+          </a:prstGeom>
+        </p:spPr>
+      </p:pic>
     </p:spTree>
     <p:extLst>
       <p:ext uri="{BB962C8B-B14F-4D97-AF65-F5344CB8AC3E}">
-        <p14:creationId xmlns:p14="http://schemas.microsoft.com/office/powerpoint/2010/main" val="1010080949"/>
+        <p14:creationId xmlns:p14="http://schemas.microsoft.com/office/powerpoint/2010/main" val="1126206920"/>
       </p:ext>
     </p:extLst>
   </p:cSld>
@@ -13290,7 +14061,7 @@
 </p:sld>
 </file>
 
-<file path=ppt/slides/slide42.xml><?xml version="1.0" encoding="utf-8"?>
+<file path=ppt/slides/slide45.xml><?xml version="1.0" encoding="utf-8"?>
 <p:sld xmlns:a="http://schemas.openxmlformats.org/drawingml/2006/main" xmlns:r="http://schemas.openxmlformats.org/officeDocument/2006/relationships" xmlns:p="http://schemas.openxmlformats.org/presentationml/2006/main">
   <p:cSld>
     <p:spTree>
@@ -13312,6 +14083,92 @@
           <p:cNvPr id="2" name="標題 1">
             <a:extLst>
               <a:ext uri="{FF2B5EF4-FFF2-40B4-BE49-F238E27FC236}">
+                <a16:creationId xmlns:a16="http://schemas.microsoft.com/office/drawing/2014/main" id="{C37C763E-7246-D873-4C62-ED27E331FF84}"/>
+              </a:ext>
+            </a:extLst>
+          </p:cNvPr>
+          <p:cNvSpPr>
+            <a:spLocks noGrp="1"/>
+          </p:cNvSpPr>
+          <p:nvPr>
+            <p:ph type="title"/>
+          </p:nvPr>
+        </p:nvSpPr>
+        <p:spPr/>
+        <p:txBody>
+          <a:bodyPr>
+            <a:normAutofit/>
+          </a:bodyPr>
+          <a:lstStyle/>
+          <a:p>
+            <a:r>
+              <a:rPr lang="en-US" altLang="zh-TW" cap="none" dirty="0"/>
+              <a:t>Explain What You Observed and Learned</a:t>
+            </a:r>
+            <a:endParaRPr lang="zh-TW" altLang="en-US" cap="none" dirty="0"/>
+          </a:p>
+        </p:txBody>
+      </p:sp>
+      <p:sp>
+        <p:nvSpPr>
+          <p:cNvPr id="3" name="文字版面配置區 2">
+            <a:extLst>
+              <a:ext uri="{FF2B5EF4-FFF2-40B4-BE49-F238E27FC236}">
+                <a16:creationId xmlns:a16="http://schemas.microsoft.com/office/drawing/2014/main" id="{DE83B45A-ABF5-8175-157F-2E1FFB817DB6}"/>
+              </a:ext>
+            </a:extLst>
+          </p:cNvPr>
+          <p:cNvSpPr>
+            <a:spLocks noGrp="1"/>
+          </p:cNvSpPr>
+          <p:nvPr>
+            <p:ph type="body" idx="1"/>
+          </p:nvPr>
+        </p:nvSpPr>
+        <p:spPr/>
+        <p:txBody>
+          <a:bodyPr/>
+          <a:lstStyle/>
+          <a:p>
+            <a:endParaRPr lang="zh-TW" altLang="en-US"/>
+          </a:p>
+        </p:txBody>
+      </p:sp>
+    </p:spTree>
+    <p:extLst>
+      <p:ext uri="{BB962C8B-B14F-4D97-AF65-F5344CB8AC3E}">
+        <p14:creationId xmlns:p14="http://schemas.microsoft.com/office/powerpoint/2010/main" val="1010080949"/>
+      </p:ext>
+    </p:extLst>
+  </p:cSld>
+  <p:clrMapOvr>
+    <a:masterClrMapping/>
+  </p:clrMapOvr>
+</p:sld>
+</file>
+
+<file path=ppt/slides/slide46.xml><?xml version="1.0" encoding="utf-8"?>
+<p:sld xmlns:a="http://schemas.openxmlformats.org/drawingml/2006/main" xmlns:r="http://schemas.openxmlformats.org/officeDocument/2006/relationships" xmlns:p="http://schemas.openxmlformats.org/presentationml/2006/main">
+  <p:cSld>
+    <p:spTree>
+      <p:nvGrpSpPr>
+        <p:cNvPr id="1" name=""/>
+        <p:cNvGrpSpPr/>
+        <p:nvPr/>
+      </p:nvGrpSpPr>
+      <p:grpSpPr>
+        <a:xfrm>
+          <a:off x="0" y="0"/>
+          <a:ext cx="0" cy="0"/>
+          <a:chOff x="0" y="0"/>
+          <a:chExt cx="0" cy="0"/>
+        </a:xfrm>
+      </p:grpSpPr>
+      <p:sp>
+        <p:nvSpPr>
+          <p:cNvPr id="2" name="標題 1">
+            <a:extLst>
+              <a:ext uri="{FF2B5EF4-FFF2-40B4-BE49-F238E27FC236}">
                 <a16:creationId xmlns:a16="http://schemas.microsoft.com/office/drawing/2014/main" id="{2F494FB5-D502-34F0-7EC1-0DD9A691AB5F}"/>
               </a:ext>
             </a:extLst>
@@ -13378,7 +14235,201 @@
 </p:sld>
 </file>
 
-<file path=ppt/slides/slide43.xml><?xml version="1.0" encoding="utf-8"?>
+<file path=ppt/slides/slide47.xml><?xml version="1.0" encoding="utf-8"?>
+<p:sld xmlns:a="http://schemas.openxmlformats.org/drawingml/2006/main" xmlns:r="http://schemas.openxmlformats.org/officeDocument/2006/relationships" xmlns:p="http://schemas.openxmlformats.org/presentationml/2006/main">
+  <p:cSld>
+    <p:spTree>
+      <p:nvGrpSpPr>
+        <p:cNvPr id="1" name=""/>
+        <p:cNvGrpSpPr/>
+        <p:nvPr/>
+      </p:nvGrpSpPr>
+      <p:grpSpPr>
+        <a:xfrm>
+          <a:off x="0" y="0"/>
+          <a:ext cx="0" cy="0"/>
+          <a:chOff x="0" y="0"/>
+          <a:chExt cx="0" cy="0"/>
+        </a:xfrm>
+      </p:grpSpPr>
+      <p:sp>
+        <p:nvSpPr>
+          <p:cNvPr id="2" name="標題 1">
+            <a:extLst>
+              <a:ext uri="{FF2B5EF4-FFF2-40B4-BE49-F238E27FC236}">
+                <a16:creationId xmlns:a16="http://schemas.microsoft.com/office/drawing/2014/main" id="{714F7A52-9BE8-1D16-950A-A892742053A1}"/>
+              </a:ext>
+            </a:extLst>
+          </p:cNvPr>
+          <p:cNvSpPr>
+            <a:spLocks noGrp="1"/>
+          </p:cNvSpPr>
+          <p:nvPr>
+            <p:ph type="title"/>
+          </p:nvPr>
+        </p:nvSpPr>
+        <p:spPr/>
+        <p:txBody>
+          <a:bodyPr>
+            <a:normAutofit/>
+          </a:bodyPr>
+          <a:lstStyle/>
+          <a:p>
+            <a:r>
+              <a:rPr lang="en-US" altLang="zh-TW" cap="none" dirty="0"/>
+              <a:t>Two questions to test the key learning</a:t>
+            </a:r>
+            <a:endParaRPr lang="zh-TW" altLang="en-US" cap="none" dirty="0"/>
+          </a:p>
+        </p:txBody>
+      </p:sp>
+      <p:sp>
+        <p:nvSpPr>
+          <p:cNvPr id="3" name="文字版面配置區 2">
+            <a:extLst>
+              <a:ext uri="{FF2B5EF4-FFF2-40B4-BE49-F238E27FC236}">
+                <a16:creationId xmlns:a16="http://schemas.microsoft.com/office/drawing/2014/main" id="{934DD60A-F50C-63A0-1E3D-0595B64B285A}"/>
+              </a:ext>
+            </a:extLst>
+          </p:cNvPr>
+          <p:cNvSpPr>
+            <a:spLocks noGrp="1"/>
+          </p:cNvSpPr>
+          <p:nvPr>
+            <p:ph type="body" idx="1"/>
+          </p:nvPr>
+        </p:nvSpPr>
+        <p:spPr/>
+        <p:txBody>
+          <a:bodyPr/>
+          <a:lstStyle/>
+          <a:p>
+            <a:endParaRPr lang="zh-TW" altLang="en-US"/>
+          </a:p>
+        </p:txBody>
+      </p:sp>
+    </p:spTree>
+    <p:extLst>
+      <p:ext uri="{BB962C8B-B14F-4D97-AF65-F5344CB8AC3E}">
+        <p14:creationId xmlns:p14="http://schemas.microsoft.com/office/powerpoint/2010/main" val="4263244729"/>
+      </p:ext>
+    </p:extLst>
+  </p:cSld>
+  <p:clrMapOvr>
+    <a:masterClrMapping/>
+  </p:clrMapOvr>
+</p:sld>
+</file>
+
+<file path=ppt/slides/slide48.xml><?xml version="1.0" encoding="utf-8"?>
+<p:sld xmlns:a="http://schemas.openxmlformats.org/drawingml/2006/main" xmlns:r="http://schemas.openxmlformats.org/officeDocument/2006/relationships" xmlns:p="http://schemas.openxmlformats.org/presentationml/2006/main">
+  <p:cSld>
+    <p:spTree>
+      <p:nvGrpSpPr>
+        <p:cNvPr id="1" name=""/>
+        <p:cNvGrpSpPr/>
+        <p:nvPr/>
+      </p:nvGrpSpPr>
+      <p:grpSpPr>
+        <a:xfrm>
+          <a:off x="0" y="0"/>
+          <a:ext cx="0" cy="0"/>
+          <a:chOff x="0" y="0"/>
+          <a:chExt cx="0" cy="0"/>
+        </a:xfrm>
+      </p:grpSpPr>
+      <p:sp>
+        <p:nvSpPr>
+          <p:cNvPr id="2" name="標題 1">
+            <a:extLst>
+              <a:ext uri="{FF2B5EF4-FFF2-40B4-BE49-F238E27FC236}">
+                <a16:creationId xmlns:a16="http://schemas.microsoft.com/office/drawing/2014/main" id="{5CE0B0CB-9B2F-72D7-CC01-9598B2EC0210}"/>
+              </a:ext>
+            </a:extLst>
+          </p:cNvPr>
+          <p:cNvSpPr>
+            <a:spLocks noGrp="1"/>
+          </p:cNvSpPr>
+          <p:nvPr>
+            <p:ph type="title"/>
+          </p:nvPr>
+        </p:nvSpPr>
+        <p:spPr/>
+        <p:txBody>
+          <a:bodyPr/>
+          <a:lstStyle/>
+          <a:p>
+            <a:r>
+              <a:rPr lang="en-US" altLang="zh-TW" dirty="0"/>
+              <a:t>Two questions to test the key learning</a:t>
+            </a:r>
+            <a:endParaRPr lang="zh-TW" altLang="en-US" dirty="0"/>
+          </a:p>
+        </p:txBody>
+      </p:sp>
+      <p:sp>
+        <p:nvSpPr>
+          <p:cNvPr id="3" name="內容版面配置區 2">
+            <a:extLst>
+              <a:ext uri="{FF2B5EF4-FFF2-40B4-BE49-F238E27FC236}">
+                <a16:creationId xmlns:a16="http://schemas.microsoft.com/office/drawing/2014/main" id="{038CAFBD-DAA9-F184-6D95-F32A456998CB}"/>
+              </a:ext>
+            </a:extLst>
+          </p:cNvPr>
+          <p:cNvSpPr>
+            <a:spLocks noGrp="1"/>
+          </p:cNvSpPr>
+          <p:nvPr>
+            <p:ph idx="1"/>
+          </p:nvPr>
+        </p:nvSpPr>
+        <p:spPr/>
+        <p:txBody>
+          <a:bodyPr>
+            <a:normAutofit/>
+          </a:bodyPr>
+          <a:lstStyle/>
+          <a:p>
+            <a:pPr marL="457200" indent="-457200">
+              <a:buFont typeface="+mj-lt"/>
+              <a:buAutoNum type="arabicPeriod"/>
+            </a:pPr>
+            <a:r>
+              <a:rPr lang="en-US" altLang="zh-TW" sz="2400" dirty="0"/>
+              <a:t>How can we add directives?</a:t>
+            </a:r>
+          </a:p>
+          <a:p>
+            <a:pPr marL="457200" indent="-457200">
+              <a:buFont typeface="+mj-lt"/>
+              <a:buAutoNum type="arabicPeriod"/>
+            </a:pPr>
+            <a:r>
+              <a:rPr lang="en-US" altLang="zh-TW" sz="2400"/>
+              <a:t>What can be </a:t>
+            </a:r>
+            <a:r>
+              <a:rPr lang="en-US" altLang="zh-TW" sz="2400" dirty="0"/>
+              <a:t>the tradeoff for lower latency?</a:t>
+            </a:r>
+            <a:endParaRPr lang="zh-TW" altLang="en-US" sz="2400" dirty="0"/>
+          </a:p>
+        </p:txBody>
+      </p:sp>
+    </p:spTree>
+    <p:extLst>
+      <p:ext uri="{BB962C8B-B14F-4D97-AF65-F5344CB8AC3E}">
+        <p14:creationId xmlns:p14="http://schemas.microsoft.com/office/powerpoint/2010/main" val="3417671754"/>
+      </p:ext>
+    </p:extLst>
+  </p:cSld>
+  <p:clrMapOvr>
+    <a:masterClrMapping/>
+  </p:clrMapOvr>
+</p:sld>
+</file>
+
+<file path=ppt/slides/slide49.xml><?xml version="1.0" encoding="utf-8"?>
 <p:sld xmlns:a="http://schemas.openxmlformats.org/drawingml/2006/main" xmlns:r="http://schemas.openxmlformats.org/officeDocument/2006/relationships" xmlns:p="http://schemas.openxmlformats.org/presentationml/2006/main">
   <p:cSld>
     <p:spTree>

--- a/dct_prj/110061519_labA_report.pptx
+++ b/dct_prj/110061519_labA_report.pptx
@@ -322,7 +322,7 @@
             <a:fld id="{87DE6118-2437-4B30-8E3C-4D2BE6020583}" type="datetimeFigureOut">
               <a:rPr lang="en-US" dirty="0"/>
               <a:pPr/>
-              <a:t>3/15/2023</a:t>
+              <a:t>3/22/2023</a:t>
             </a:fld>
             <a:endParaRPr lang="en-US" dirty="0"/>
           </a:p>
@@ -648,7 +648,7 @@
           <a:p>
             <a:fld id="{87DE6118-2437-4B30-8E3C-4D2BE6020583}" type="datetimeFigureOut">
               <a:rPr lang="en-US" dirty="0"/>
-              <a:t>3/15/2023</a:t>
+              <a:t>3/22/2023</a:t>
             </a:fld>
             <a:endParaRPr lang="en-US" dirty="0"/>
           </a:p>
@@ -823,7 +823,7 @@
           <a:p>
             <a:fld id="{87DE6118-2437-4B30-8E3C-4D2BE6020583}" type="datetimeFigureOut">
               <a:rPr lang="en-US" dirty="0"/>
-              <a:t>3/15/2023</a:t>
+              <a:t>3/22/2023</a:t>
             </a:fld>
             <a:endParaRPr lang="en-US" dirty="0"/>
           </a:p>
@@ -988,7 +988,7 @@
           <a:p>
             <a:fld id="{87DE6118-2437-4B30-8E3C-4D2BE6020583}" type="datetimeFigureOut">
               <a:rPr lang="en-US" dirty="0"/>
-              <a:t>3/15/2023</a:t>
+              <a:t>3/22/2023</a:t>
             </a:fld>
             <a:endParaRPr lang="en-US" dirty="0"/>
           </a:p>
@@ -1256,7 +1256,7 @@
             <a:fld id="{87DE6118-2437-4B30-8E3C-4D2BE6020583}" type="datetimeFigureOut">
               <a:rPr lang="en-US" dirty="0"/>
               <a:pPr/>
-              <a:t>3/15/2023</a:t>
+              <a:t>3/22/2023</a:t>
             </a:fld>
             <a:endParaRPr lang="en-US" dirty="0"/>
           </a:p>
@@ -1646,7 +1646,7 @@
           <a:p>
             <a:fld id="{87DE6118-2437-4B30-8E3C-4D2BE6020583}" type="datetimeFigureOut">
               <a:rPr lang="en-US" dirty="0"/>
-              <a:t>3/15/2023</a:t>
+              <a:t>3/22/2023</a:t>
             </a:fld>
             <a:endParaRPr lang="en-US" dirty="0"/>
           </a:p>
@@ -2118,7 +2118,7 @@
           <a:p>
             <a:fld id="{87DE6118-2437-4B30-8E3C-4D2BE6020583}" type="datetimeFigureOut">
               <a:rPr lang="en-US" dirty="0"/>
-              <a:t>3/15/2023</a:t>
+              <a:t>3/22/2023</a:t>
             </a:fld>
             <a:endParaRPr lang="en-US" dirty="0"/>
           </a:p>
@@ -2231,7 +2231,7 @@
           <a:p>
             <a:fld id="{87DE6118-2437-4B30-8E3C-4D2BE6020583}" type="datetimeFigureOut">
               <a:rPr lang="en-US" dirty="0"/>
-              <a:t>3/15/2023</a:t>
+              <a:t>3/22/2023</a:t>
             </a:fld>
             <a:endParaRPr lang="en-US" dirty="0"/>
           </a:p>
@@ -2321,7 +2321,7 @@
           <a:p>
             <a:fld id="{87DE6118-2437-4B30-8E3C-4D2BE6020583}" type="datetimeFigureOut">
               <a:rPr lang="en-US" dirty="0"/>
-              <a:t>3/15/2023</a:t>
+              <a:t>3/22/2023</a:t>
             </a:fld>
             <a:endParaRPr lang="en-US" dirty="0"/>
           </a:p>
@@ -2663,7 +2663,7 @@
             <a:fld id="{87DE6118-2437-4B30-8E3C-4D2BE6020583}" type="datetimeFigureOut">
               <a:rPr lang="en-US" dirty="0"/>
               <a:pPr/>
-              <a:t>3/15/2023</a:t>
+              <a:t>3/22/2023</a:t>
             </a:fld>
             <a:endParaRPr lang="en-US" dirty="0"/>
           </a:p>
@@ -3048,7 +3048,7 @@
             <a:fld id="{87DE6118-2437-4B30-8E3C-4D2BE6020583}" type="datetimeFigureOut">
               <a:rPr lang="en-US" dirty="0"/>
               <a:pPr/>
-              <a:t>3/15/2023</a:t>
+              <a:t>3/22/2023</a:t>
             </a:fld>
             <a:endParaRPr lang="en-US" dirty="0"/>
           </a:p>
@@ -3320,7 +3320,7 @@
             <a:fld id="{87DE6118-2437-4B30-8E3C-4D2BE6020583}" type="datetimeFigureOut">
               <a:rPr lang="en-US" dirty="0"/>
               <a:pPr/>
-              <a:t>3/15/2023</a:t>
+              <a:t>3/22/2023</a:t>
             </a:fld>
             <a:endParaRPr lang="en-US" dirty="0"/>
           </a:p>
@@ -12415,7 +12415,7 @@
           <a:p>
             <a:r>
               <a:rPr lang="en-US" altLang="zh-TW" dirty="0"/>
-              <a:t>The algorithm implemented in hardware is discreate cosine transform, DCT. It can process data into frequency domain, similar to Fourier transform. What makes them different is that DCT only uses real numbers. DCT is often used to process signals and images. Assume that we have a matrix with size N×N, and the values are denoted by f(</a:t>
+              <a:t>The algorithm implemented in hardware is discrete cosine transform, DCT. It can process data into frequency domain, similar to Fourier transform. What makes them different is that DCT only uses real numbers. DCT is often used to process signals and images. Assume that we have a matrix with size N×N, and the values are denoted by f(</a:t>
             </a:r>
             <a:r>
               <a:rPr lang="en-US" altLang="zh-TW" dirty="0" err="1"/>
